--- a/HRD/nPPT/응용SW어플리케이션.pptx
+++ b/HRD/nPPT/응용SW어플리케이션.pptx
@@ -2,7 +2,7 @@
 <file path=ppt/presentation.xml><?xml version="1.0" encoding="utf-8"?>
 <p:presentation xmlns:r="http://schemas.openxmlformats.org/officeDocument/2006/relationships" xmlns:c="http://schemas.openxmlformats.org/drawingml/2006/chart" xmlns:a="http://schemas.openxmlformats.org/drawingml/2006/main" xmlns:dgm="http://schemas.openxmlformats.org/drawingml/2006/diagram" xmlns:dsp="http://schemas.microsoft.com/office/drawing/2008/diagram" xmlns:p="http://schemas.openxmlformats.org/presentationml/2006/main">
   <p:sldMasterIdLst>
-    <p:sldMasterId id="2147483715" r:id="rId1"/>
+    <p:sldMasterId id="2147483707" r:id="rId1"/>
   </p:sldMasterIdLst>
   <p:notesMasterIdLst>
     <p:notesMasterId r:id="rId2"/>
@@ -221,7 +221,7 @@
               <a:pPr lvl="0">
                 <a:defRPr/>
               </a:pPr>
-              <a:t>2019-12-18</a:t>
+              <a:t>2019-12-19</a:t>
             </a:fld>
             <a:endParaRPr lang="ko-KR" altLang="en-US"/>
           </a:p>
@@ -9116,7 +9116,7 @@
 </file>
 
 <file path=ppt/slides/slide1.xml><?xml version="1.0" encoding="utf-8"?>
-<p:sld xmlns:a="http://schemas.openxmlformats.org/drawingml/2006/main" xmlns:r="http://schemas.openxmlformats.org/officeDocument/2006/relationships" xmlns:p="http://schemas.openxmlformats.org/presentationml/2006/main">
+<p:sld xmlns:r="http://schemas.openxmlformats.org/officeDocument/2006/relationships" xmlns:c="http://schemas.openxmlformats.org/drawingml/2006/chart" xmlns:a="http://schemas.openxmlformats.org/drawingml/2006/main" xmlns:dgm="http://schemas.openxmlformats.org/drawingml/2006/diagram" xmlns:dsp="http://schemas.microsoft.com/office/drawing/2008/diagram" xmlns:p="http://schemas.openxmlformats.org/presentationml/2006/main">
   <p:cSld>
     <p:spTree>
       <p:nvGrpSpPr>
@@ -9134,13 +9134,7 @@
       </p:grpSpPr>
       <p:pic>
         <p:nvPicPr>
-          <p:cNvPr id="6" name="Picture 2" descr="\\Server\share\공유\한국산업안전보건공단\PPT-원고\소스\서비스블루.png">
-            <a:extLst>
-              <a:ext uri="{FF2B5EF4-FFF2-40B4-BE49-F238E27FC236}">
-                <a16:creationId xmlns:a16="http://schemas.microsoft.com/office/drawing/2014/main" id="{01E29E56-DA78-4119-A71E-8F14E3ED26E3}"/>
-              </a:ext>
-            </a:extLst>
-          </p:cNvPr>
+          <p:cNvPr id="6" name="Picture 2" descr="\\Server\share\공유\한국산업안전보건공단\PPT-원고\소스\서비스블루.png"/>
           <p:cNvPicPr>
             <a:picLocks noChangeAspect="1" noChangeArrowheads="1"/>
           </p:cNvPicPr>
@@ -9207,7 +9201,7 @@
                   <a:prstDash val="solid"/>
                 </a:ln>
                 <a:solidFill>
-                  <a:srgbClr val="2E0E5E"/>
+                  <a:srgbClr val="2e0e5e"/>
                 </a:solidFill>
                 <a:effectLst>
                   <a:innerShdw blurRad="50900" dist="38500" dir="13500000">
@@ -9221,7 +9215,7 @@
             </a:r>
             <a:endParaRPr lang="ko-KR" altLang="en-US" sz="3100" b="1" spc="44">
               <a:solidFill>
-                <a:srgbClr val="2E0E5E"/>
+                <a:srgbClr val="2e0e5e"/>
               </a:solidFill>
             </a:endParaRPr>
           </a:p>
@@ -9248,7 +9242,7 @@
           </a:ln>
           <a:effectLst>
             <a:outerShdw dist="35921" dir="2700000" algn="ctr" rotWithShape="0">
-              <a:srgbClr val="C0C0C0"/>
+              <a:srgbClr val="c0c0c0"/>
             </a:outerShdw>
           </a:effectLst>
         </p:spPr>
@@ -9304,6 +9298,17 @@
               </a:rPr>
               <a:t>정보개발</a:t>
             </a:r>
+            <a:endParaRPr lang="ko-KR" altLang="en-US" b="1" kern="0">
+              <a:solidFill>
+                <a:sysClr val="windowText" lastClr="000000">
+                  <a:lumMod val="95000"/>
+                  <a:lumOff val="5000"/>
+                </a:sysClr>
+              </a:solidFill>
+              <a:effectLst>
+                <a:reflection blurRad="6350" stA="50000" endA="300" endPos="50000" dir="5400000" sy="-100000" algn="bl" rotWithShape="0"/>
+              </a:effectLst>
+            </a:endParaRPr>
           </a:p>
           <a:p>
             <a:pPr>
@@ -9354,6 +9359,17 @@
               </a:rPr>
               <a:t>최 승재</a:t>
             </a:r>
+            <a:endParaRPr lang="ko-KR" altLang="en-US" b="1" kern="0">
+              <a:solidFill>
+                <a:sysClr val="windowText" lastClr="000000">
+                  <a:lumMod val="95000"/>
+                  <a:lumOff val="5000"/>
+                </a:sysClr>
+              </a:solidFill>
+              <a:effectLst>
+                <a:reflection blurRad="6350" stA="50000" endA="300" endPos="50000" dir="5400000" sy="-100000" algn="bl" rotWithShape="0"/>
+              </a:effectLst>
+            </a:endParaRPr>
           </a:p>
         </p:txBody>
       </p:sp>
@@ -9406,7 +9422,7 @@
               <a:defRPr/>
             </a:pPr>
             <a:r>
-              <a:rPr lang="ko-KR" altLang="en-US" sz="4400">
+              <a:rPr xmlns:mc="http://schemas.openxmlformats.org/markup-compatibility/2006" xmlns:hp="http://schemas.haansoft.com/office/presentation/8.0" lang="ko-KR" altLang="en-US" sz="4400" mc:Ignorable="hp" hp:hslEmbossed="0">
                 <a:ln w="9525" cap="flat" cmpd="sng" algn="ctr">
                   <a:solidFill>
                     <a:schemeClr val="accent2">
@@ -9454,7 +9470,7 @@
               <a:t>응용</a:t>
             </a:r>
             <a:r>
-              <a:rPr lang="en-US" altLang="ko-KR" sz="4400">
+              <a:rPr xmlns:mc="http://schemas.openxmlformats.org/markup-compatibility/2006" xmlns:hp="http://schemas.haansoft.com/office/presentation/8.0" lang="en-US" altLang="ko-KR" sz="4400" mc:Ignorable="hp" hp:hslEmbossed="0">
                 <a:ln w="9525" cap="flat" cmpd="sng" algn="ctr">
                   <a:solidFill>
                     <a:schemeClr val="accent2">
@@ -9501,13 +9517,58 @@
               </a:rPr>
               <a:t>SW</a:t>
             </a:r>
+            <a:endParaRPr xmlns:mc="http://schemas.openxmlformats.org/markup-compatibility/2006" xmlns:hp="http://schemas.haansoft.com/office/presentation/8.0" lang="en-US" altLang="ko-KR" sz="4400" mc:Ignorable="hp" hp:hslEmbossed="0">
+              <a:ln w="9525" cap="flat" cmpd="sng" algn="ctr">
+                <a:solidFill>
+                  <a:schemeClr val="accent2">
+                    <a:shade val="95000"/>
+                    <a:satMod val="105000"/>
+                  </a:schemeClr>
+                </a:solidFill>
+                <a:prstDash val="solid"/>
+                <a:round/>
+                <a:headEnd w="med" len="med"/>
+                <a:tailEnd w="med" len="med"/>
+              </a:ln>
+              <a:gradFill flip="xy" rotWithShape="1">
+                <a:gsLst>
+                  <a:gs pos="0">
+                    <a:schemeClr val="accent2">
+                      <a:tint val="50000"/>
+                      <a:satMod val="300000"/>
+                    </a:schemeClr>
+                  </a:gs>
+                  <a:gs pos="35000">
+                    <a:schemeClr val="accent2">
+                      <a:tint val="37000"/>
+                      <a:satMod val="300000"/>
+                    </a:schemeClr>
+                  </a:gs>
+                  <a:gs pos="100000">
+                    <a:schemeClr val="accent2">
+                      <a:tint val="15000"/>
+                      <a:satMod val="350000"/>
+                    </a:schemeClr>
+                  </a:gs>
+                </a:gsLst>
+                <a:lin ang="16200000" scaled="1"/>
+                <a:tileRect/>
+              </a:gradFill>
+              <a:effectLst>
+                <a:outerShdw blurRad="40000" dist="20000" dir="5400000" rotWithShape="0">
+                  <a:srgbClr val="000000">
+                    <a:alpha val="38000"/>
+                  </a:srgbClr>
+                </a:outerShdw>
+              </a:effectLst>
+            </a:endParaRPr>
           </a:p>
           <a:p>
             <a:pPr>
               <a:defRPr/>
             </a:pPr>
             <a:r>
-              <a:rPr lang="ko-KR" altLang="en-US" sz="4400">
+              <a:rPr xmlns:mc="http://schemas.openxmlformats.org/markup-compatibility/2006" xmlns:hp="http://schemas.haansoft.com/office/presentation/8.0" lang="ko-KR" altLang="en-US" sz="4400" mc:Ignorable="hp" hp:hslEmbossed="0">
                 <a:ln w="9525" cap="flat" cmpd="sng" algn="ctr">
                   <a:solidFill>
                     <a:schemeClr val="accent2">
@@ -9554,18 +9615,57 @@
               </a:rPr>
               <a:t>어플리케이션</a:t>
             </a:r>
+            <a:endParaRPr xmlns:mc="http://schemas.openxmlformats.org/markup-compatibility/2006" xmlns:hp="http://schemas.haansoft.com/office/presentation/8.0" lang="ko-KR" altLang="en-US" sz="4400" mc:Ignorable="hp" hp:hslEmbossed="0">
+              <a:ln w="9525" cap="flat" cmpd="sng" algn="ctr">
+                <a:solidFill>
+                  <a:schemeClr val="accent2">
+                    <a:shade val="95000"/>
+                    <a:satMod val="105000"/>
+                  </a:schemeClr>
+                </a:solidFill>
+                <a:prstDash val="solid"/>
+                <a:round/>
+                <a:headEnd w="med" len="med"/>
+                <a:tailEnd w="med" len="med"/>
+              </a:ln>
+              <a:gradFill flip="xy" rotWithShape="1">
+                <a:gsLst>
+                  <a:gs pos="0">
+                    <a:schemeClr val="accent2">
+                      <a:tint val="50000"/>
+                      <a:satMod val="300000"/>
+                    </a:schemeClr>
+                  </a:gs>
+                  <a:gs pos="35000">
+                    <a:schemeClr val="accent2">
+                      <a:tint val="37000"/>
+                      <a:satMod val="300000"/>
+                    </a:schemeClr>
+                  </a:gs>
+                  <a:gs pos="100000">
+                    <a:schemeClr val="accent2">
+                      <a:tint val="15000"/>
+                      <a:satMod val="350000"/>
+                    </a:schemeClr>
+                  </a:gs>
+                </a:gsLst>
+                <a:lin ang="16200000" scaled="1"/>
+                <a:tileRect/>
+              </a:gradFill>
+              <a:effectLst>
+                <a:outerShdw blurRad="40000" dist="20000" dir="5400000" rotWithShape="0">
+                  <a:srgbClr val="000000">
+                    <a:alpha val="38000"/>
+                  </a:srgbClr>
+                </a:outerShdw>
+              </a:effectLst>
+            </a:endParaRPr>
           </a:p>
         </p:txBody>
       </p:sp>
       <p:sp>
         <p:nvSpPr>
-          <p:cNvPr id="7" name="슬라이드 번호 개체 틀 1">
-            <a:extLst>
-              <a:ext uri="{FF2B5EF4-FFF2-40B4-BE49-F238E27FC236}">
-                <a16:creationId xmlns:a16="http://schemas.microsoft.com/office/drawing/2014/main" id="{232817F0-1D86-4258-B7EC-ACE1A6D4B6E1}"/>
-              </a:ext>
-            </a:extLst>
-          </p:cNvPr>
+          <p:cNvPr id="7" name="슬라이드 번호 개체 틀 1"/>
           <p:cNvSpPr txBox="1"/>
           <p:nvPr/>
         </p:nvSpPr>
@@ -9593,7 +9693,7 @@
             <a:fld id="{7F65F548-4073-416B-8831-474EB8B0CAAB}" type="slidenum">
               <a:rPr kumimoji="0" lang="en-US" altLang="en-US" sz="2400" b="1">
                 <a:solidFill>
-                  <a:srgbClr val="0237CE"/>
+                  <a:srgbClr val="0237ce"/>
                 </a:solidFill>
               </a:rPr>
               <a:pPr algn="ctr" latinLnBrk="0">
@@ -9601,26 +9701,50 @@
               </a:pPr>
               <a:t>1</a:t>
             </a:fld>
-            <a:endParaRPr kumimoji="0" lang="en-US" altLang="en-US" sz="2400" b="1" dirty="0">
+            <a:endParaRPr kumimoji="0" lang="en-US" altLang="en-US" sz="2400" b="1">
               <a:solidFill>
-                <a:srgbClr val="0237CE"/>
+                <a:srgbClr val="0237ce"/>
               </a:solidFill>
             </a:endParaRPr>
           </a:p>
         </p:txBody>
       </p:sp>
+      <p:pic>
+        <p:nvPicPr>
+          <p:cNvPr id="5129" name=""/>
+          <p:cNvPicPr>
+            <a:picLocks noChangeAspect="1"/>
+          </p:cNvPicPr>
+          <p:nvPr/>
+        </p:nvPicPr>
+        <p:blipFill rotWithShape="1">
+          <a:blip r:embed="rId4"/>
+          <a:stretch>
+            <a:fillRect/>
+          </a:stretch>
+        </p:blipFill>
+        <p:spPr>
+          <a:xfrm>
+            <a:off x="7020272" y="548680"/>
+            <a:ext cx="1800200" cy="1800200"/>
+          </a:xfrm>
+          <a:prstGeom prst="rect">
+            <a:avLst/>
+          </a:prstGeom>
+        </p:spPr>
+      </p:pic>
     </p:spTree>
   </p:cSld>
   <p:clrMapOvr>
     <a:masterClrMapping/>
   </p:clrMapOvr>
-  <mc:AlternateContent xmlns:mc="http://schemas.openxmlformats.org/markup-compatibility/2006" xmlns:p14="http://schemas.microsoft.com/office/powerpoint/2010/main">
-    <mc:Choice Requires="p14">
-      <p:transition>
+  <mc:AlternateContent xmlns:mc="http://schemas.openxmlformats.org/markup-compatibility/2006">
+    <mc:Choice xmlns:p14="http://schemas.microsoft.com/office/powerpoint/2010/main" Requires="p14">
+      <p:transition xmlns:mc="http://schemas.openxmlformats.org/markup-compatibility/2006" xmlns:p14="http://schemas.microsoft.com/office/powerpoint/2010/main" mc:Ignorable="p14" p14:dur="500">
         <p:fade/>
       </p:transition>
     </mc:Choice>
-    <mc:Fallback xmlns:dsp="http://schemas.microsoft.com/office/drawing/2008/diagram" xmlns:dgm="http://schemas.openxmlformats.org/drawingml/2006/diagram" xmlns:c="http://schemas.openxmlformats.org/drawingml/2006/chart" xmlns="">
+    <mc:Fallback>
       <p:transition xmlns:mc="http://schemas.openxmlformats.org/markup-compatibility/2006" xmlns:hp="http://schemas.haansoft.com/office/presentation/8.0" mc:Ignorable="hp" hp:hslDur="500">
         <p:fade/>
       </p:transition>
@@ -9767,7 +9891,7 @@
 </file>
 
 <file path=ppt/slides/slide10.xml><?xml version="1.0" encoding="utf-8"?>
-<p:sld xmlns:a="http://schemas.openxmlformats.org/drawingml/2006/main" xmlns:r="http://schemas.openxmlformats.org/officeDocument/2006/relationships" xmlns:p="http://schemas.openxmlformats.org/presentationml/2006/main">
+<p:sld xmlns:r="http://schemas.openxmlformats.org/officeDocument/2006/relationships" xmlns:c="http://schemas.openxmlformats.org/drawingml/2006/chart" xmlns:a="http://schemas.openxmlformats.org/drawingml/2006/main" xmlns:dgm="http://schemas.openxmlformats.org/drawingml/2006/diagram" xmlns:dsp="http://schemas.microsoft.com/office/drawing/2008/diagram" xmlns:p="http://schemas.openxmlformats.org/presentationml/2006/main">
   <p:cSld>
     <p:spTree>
       <p:nvGrpSpPr>
@@ -9785,13 +9909,7 @@
       </p:grpSpPr>
       <p:pic>
         <p:nvPicPr>
-          <p:cNvPr id="18" name="Picture 2" descr="\\Server\share\공유\한국산업안전보건공단\PPT-원고\소스\서비스블루.png">
-            <a:extLst>
-              <a:ext uri="{FF2B5EF4-FFF2-40B4-BE49-F238E27FC236}">
-                <a16:creationId xmlns:a16="http://schemas.microsoft.com/office/drawing/2014/main" id="{9D041325-6A5B-49E1-BB56-FFF163B726E0}"/>
-              </a:ext>
-            </a:extLst>
-          </p:cNvPr>
+          <p:cNvPr id="18" name="Picture 2" descr="\\Server\share\공유\한국산업안전보건공단\PPT-원고\소스\서비스블루.png"/>
           <p:cNvPicPr>
             <a:picLocks noChangeAspect="1" noChangeArrowheads="1"/>
           </p:cNvPicPr>
@@ -9909,37 +10027,42 @@
               <a:defRPr/>
             </a:pPr>
             <a:r>
-              <a:rPr kumimoji="0" lang="ko-KR" altLang="en-US" sz="3200" kern="0" dirty="0">
-                <a:solidFill>
-                  <a:srgbClr val="0000FF"/>
+              <a:rPr kumimoji="0" lang="ko-KR" altLang="en-US" sz="3200" kern="0">
+                <a:solidFill>
+                  <a:srgbClr val="0000ff"/>
                 </a:solidFill>
               </a:rPr>
               <a:t>변수의 타입 및 유형</a:t>
             </a:r>
             <a:r>
-              <a:rPr lang="ko-KR" altLang="en-US" sz="3200" kern="0" dirty="0">
-                <a:solidFill>
-                  <a:srgbClr val="0000FF"/>
+              <a:rPr lang="ko-KR" altLang="en-US" sz="3200" kern="0">
+                <a:solidFill>
+                  <a:srgbClr val="0000ff"/>
                 </a:solidFill>
               </a:rPr>
               <a:t> </a:t>
             </a:r>
             <a:r>
-              <a:rPr lang="ko-KR" altLang="en-US" sz="3200" kern="0" dirty="0">
-                <a:solidFill>
-                  <a:srgbClr val="00B050"/>
+              <a:rPr lang="ko-KR" altLang="en-US" sz="3200" kern="0">
+                <a:solidFill>
+                  <a:srgbClr val="00b050"/>
                 </a:solidFill>
               </a:rPr>
               <a:t>                            </a:t>
             </a:r>
             <a:r>
-              <a:rPr lang="ko-KR" altLang="en-US" sz="2000" kern="0" dirty="0">
-                <a:solidFill>
-                  <a:srgbClr val="00B050"/>
+              <a:rPr lang="ko-KR" altLang="en-US" sz="2000" kern="0">
+                <a:solidFill>
+                  <a:srgbClr val="00b050"/>
                 </a:solidFill>
               </a:rPr>
               <a:t>본시 학습</a:t>
             </a:r>
+            <a:endParaRPr lang="ko-KR" altLang="en-US" sz="2000" kern="0">
+              <a:solidFill>
+                <a:srgbClr val="00b050"/>
+              </a:solidFill>
+            </a:endParaRPr>
           </a:p>
         </p:txBody>
       </p:sp>
@@ -9950,7 +10073,7 @@
           <p:nvPr/>
         </p:nvGrpSpPr>
         <p:grpSpPr>
-          <a:xfrm>
+          <a:xfrm rot="0">
             <a:off x="480862" y="980728"/>
             <a:ext cx="5387281" cy="5799165"/>
             <a:chOff x="981074" y="1449388"/>
@@ -9964,7 +10087,7 @@
             <p:nvPr/>
           </p:nvGrpSpPr>
           <p:grpSpPr>
-            <a:xfrm>
+            <a:xfrm rot="0">
               <a:off x="981074" y="1449388"/>
               <a:ext cx="5243265" cy="1397693"/>
               <a:chOff x="981075" y="1449388"/>
@@ -10034,7 +10157,7 @@
               <p:nvPr/>
             </p:nvGrpSpPr>
             <p:grpSpPr>
-              <a:xfrm>
+              <a:xfrm rot="0">
                 <a:off x="981075" y="1449388"/>
                 <a:ext cx="2579688" cy="279538"/>
                 <a:chOff x="623887" y="1659479"/>
@@ -10066,7 +10189,7 @@
                 </a:ln>
                 <a:effectLst>
                   <a:outerShdw dist="35921" dir="2700000" algn="ctr" rotWithShape="0">
-                    <a:srgbClr val="C0C0C0"/>
+                    <a:srgbClr val="c0c0c0"/>
                   </a:outerShdw>
                 </a:effectLst>
               </p:spPr>
@@ -10102,7 +10225,7 @@
                   <a:avLst/>
                 </a:prstGeom>
                 <a:solidFill>
-                  <a:srgbClr val="FF7C80"/>
+                  <a:srgbClr val="ff7c80"/>
                 </a:solidFill>
                 <a:ln w="9525" algn="ctr">
                   <a:noFill/>
@@ -10214,6 +10337,11 @@
                 </a:rPr>
                 <a:t>typedef	unsigned char	byte;</a:t>
               </a:r>
+              <a:endParaRPr lang="en-US" altLang="ko-KR" sz="1600" b="1">
+                <a:solidFill>
+                  <a:schemeClr val="tx1"/>
+                </a:solidFill>
+              </a:endParaRPr>
             </a:p>
             <a:p>
               <a:pPr marL="0" indent="0">
@@ -10256,6 +10384,11 @@
                 </a:rPr>
                 <a:t>형을 사용하기에는</a:t>
               </a:r>
+              <a:endParaRPr lang="ko-KR" altLang="en-US" sz="1600" b="1">
+                <a:solidFill>
+                  <a:schemeClr val="tx1"/>
+                </a:solidFill>
+              </a:endParaRPr>
             </a:p>
             <a:p>
               <a:pPr marL="0" indent="0">
@@ -10338,6 +10471,11 @@
                 </a:rPr>
                 <a:t>넘는 사람은</a:t>
               </a:r>
+              <a:endParaRPr lang="ko-KR" altLang="en-US" sz="1600" b="1">
+                <a:solidFill>
+                  <a:schemeClr val="tx1"/>
+                </a:solidFill>
+              </a:endParaRPr>
             </a:p>
             <a:p>
               <a:pPr marL="0" indent="0">
@@ -10404,6 +10542,11 @@
                 </a:rPr>
                 <a:t>를 문자 저장용이</a:t>
               </a:r>
+              <a:endParaRPr lang="ko-KR" altLang="en-US" sz="1600" b="1">
+                <a:solidFill>
+                  <a:schemeClr val="tx1"/>
+                </a:solidFill>
+              </a:endParaRPr>
             </a:p>
             <a:p>
               <a:pPr marL="0" indent="0">
@@ -10422,6 +10565,11 @@
                 </a:rPr>
                 <a:t>    아닌 숫자 저장용으로 사용하고 싶을 때 사용자 정의형을</a:t>
               </a:r>
+              <a:endParaRPr lang="ko-KR" altLang="en-US" sz="1600" b="1">
+                <a:solidFill>
+                  <a:schemeClr val="tx1"/>
+                </a:solidFill>
+              </a:endParaRPr>
             </a:p>
             <a:p>
               <a:pPr marL="0" indent="0">
@@ -10480,6 +10628,11 @@
                 </a:rPr>
                 <a:t>.)</a:t>
               </a:r>
+              <a:endParaRPr lang="en-US" altLang="ko-KR" sz="1600" b="1">
+                <a:solidFill>
+                  <a:schemeClr val="tx1"/>
+                </a:solidFill>
+              </a:endParaRPr>
             </a:p>
             <a:p>
               <a:pPr marL="0" indent="0">
@@ -10501,11 +10654,16 @@
               <a:r>
                 <a:rPr lang="en-US" altLang="ko-KR" sz="1600" b="1">
                   <a:solidFill>
-                    <a:srgbClr val="CEA61D"/>
+                    <a:srgbClr val="cea61d"/>
                   </a:solidFill>
                 </a:rPr>
                 <a:t>byte  counter = 0;</a:t>
               </a:r>
+              <a:endParaRPr lang="en-US" altLang="ko-KR" sz="1600" b="1">
+                <a:solidFill>
+                  <a:srgbClr val="cea61d"/>
+                </a:solidFill>
+              </a:endParaRPr>
             </a:p>
             <a:p>
               <a:pPr marL="0" indent="0">
@@ -10539,6 +10697,11 @@
                 </a:rPr>
                 <a:t>typedef	unsigned int	uint;</a:t>
               </a:r>
+              <a:endParaRPr lang="en-US" altLang="ko-KR" sz="1600" b="1">
+                <a:solidFill>
+                  <a:schemeClr val="tx1"/>
+                </a:solidFill>
+              </a:endParaRPr>
             </a:p>
             <a:p>
               <a:pPr marL="0" indent="0">
@@ -10565,6 +10728,11 @@
                 </a:rPr>
                 <a:t>라고 쓰기에는 문자 입력의 번거로움을</a:t>
               </a:r>
+              <a:endParaRPr lang="ko-KR" altLang="en-US" sz="1600" b="1">
+                <a:solidFill>
+                  <a:schemeClr val="tx1"/>
+                </a:solidFill>
+              </a:endParaRPr>
             </a:p>
             <a:p>
               <a:pPr marL="0" indent="0">
@@ -10591,6 +10759,11 @@
                 </a:rPr>
                 <a:t>.</a:t>
               </a:r>
+              <a:endParaRPr lang="en-US" altLang="ko-KR" sz="1600" b="1">
+                <a:solidFill>
+                  <a:schemeClr val="tx1"/>
+                </a:solidFill>
+              </a:endParaRPr>
             </a:p>
             <a:p>
               <a:pPr marL="0" indent="0">
@@ -10612,11 +10785,16 @@
               <a:r>
                 <a:rPr lang="en-US" altLang="ko-KR" sz="1600" b="1">
                   <a:solidFill>
-                    <a:srgbClr val="CEA61D"/>
+                    <a:srgbClr val="cea61d"/>
                   </a:solidFill>
                 </a:rPr>
                 <a:t>uint  counter = 0;	// </a:t>
               </a:r>
+              <a:endParaRPr lang="en-US" altLang="ko-KR" sz="1600" b="1">
+                <a:solidFill>
+                  <a:srgbClr val="cea61d"/>
+                </a:solidFill>
+              </a:endParaRPr>
             </a:p>
             <a:p>
               <a:pPr marL="0" indent="0">
@@ -10670,7 +10848,7 @@
             <a:fld id="{7F65F548-4073-416B-8831-474EB8B0CAAB}" type="slidenum">
               <a:rPr kumimoji="0" lang="en-US" altLang="en-US" sz="2400" b="1">
                 <a:solidFill>
-                  <a:srgbClr val="0237CE"/>
+                  <a:srgbClr val="0237ce"/>
                 </a:solidFill>
               </a:rPr>
               <a:pPr algn="ctr" latinLnBrk="0">
@@ -10678,9 +10856,9 @@
               </a:pPr>
               <a:t>10</a:t>
             </a:fld>
-            <a:endParaRPr kumimoji="0" lang="en-US" altLang="en-US" sz="2400" b="1" dirty="0">
+            <a:endParaRPr kumimoji="0" lang="en-US" altLang="en-US" sz="2400" b="1">
               <a:solidFill>
-                <a:srgbClr val="0237CE"/>
+                <a:srgbClr val="0237ce"/>
               </a:solidFill>
             </a:endParaRPr>
           </a:p>
@@ -10718,49 +10896,26 @@
       </p:pic>
       <p:pic>
         <p:nvPicPr>
-          <p:cNvPr id="19" name="Picture 2" descr="c언어 변수.png에 대한 이미지 검색결과">
-            <a:extLst>
-              <a:ext uri="{FF2B5EF4-FFF2-40B4-BE49-F238E27FC236}">
-                <a16:creationId xmlns:a16="http://schemas.microsoft.com/office/drawing/2014/main" id="{FFA5386F-7CDC-46B7-AFF4-E7DFBFA351C6}"/>
-              </a:ext>
-            </a:extLst>
-          </p:cNvPr>
+          <p:cNvPr id="33" name=""/>
           <p:cNvPicPr>
-            <a:picLocks noChangeAspect="1" noChangeArrowheads="1"/>
+            <a:picLocks noChangeAspect="1"/>
           </p:cNvPicPr>
           <p:nvPr/>
         </p:nvPicPr>
-        <p:blipFill>
-          <a:blip r:embed="rId4">
-            <a:extLst>
-              <a:ext uri="{28A0092B-C50C-407E-A947-70E740481C1C}">
-                <a14:useLocalDpi xmlns:a14="http://schemas.microsoft.com/office/drawing/2010/main" val="0"/>
-              </a:ext>
-            </a:extLst>
-          </a:blip>
-          <a:srcRect/>
+        <p:blipFill rotWithShape="1">
+          <a:blip r:embed="rId4"/>
           <a:stretch>
             <a:fillRect/>
           </a:stretch>
         </p:blipFill>
-        <p:spPr bwMode="auto">
+        <p:spPr>
           <a:xfrm>
-            <a:off x="6732240" y="885986"/>
-            <a:ext cx="1849215" cy="1849215"/>
+            <a:off x="7020272" y="908720"/>
+            <a:ext cx="1800200" cy="1800200"/>
           </a:xfrm>
           <a:prstGeom prst="rect">
             <a:avLst/>
           </a:prstGeom>
-          <a:noFill/>
-          <a:extLst>
-            <a:ext uri="{909E8E84-426E-40DD-AFC4-6F175D3DCCD1}">
-              <a14:hiddenFill xmlns:a14="http://schemas.microsoft.com/office/drawing/2010/main">
-                <a:solidFill>
-                  <a:srgbClr val="FFFFFF"/>
-                </a:solidFill>
-              </a14:hiddenFill>
-            </a:ext>
-          </a:extLst>
         </p:spPr>
       </p:pic>
     </p:spTree>
@@ -10768,11 +10923,11 @@
   <p:clrMapOvr>
     <a:masterClrMapping/>
   </p:clrMapOvr>
-  <mc:AlternateContent xmlns:mc="http://schemas.openxmlformats.org/markup-compatibility/2006" xmlns:p14="http://schemas.microsoft.com/office/powerpoint/2010/main">
-    <mc:Choice Requires="p14">
-      <p:transition/>
+  <mc:AlternateContent xmlns:mc="http://schemas.openxmlformats.org/markup-compatibility/2006">
+    <mc:Choice xmlns:p14="http://schemas.microsoft.com/office/powerpoint/2010/main" Requires="p14">
+      <p:transition xmlns:mc="http://schemas.openxmlformats.org/markup-compatibility/2006" xmlns:p14="http://schemas.microsoft.com/office/powerpoint/2010/main" mc:Ignorable="p14" p14:dur="500"/>
     </mc:Choice>
-    <mc:Fallback xmlns:dsp="http://schemas.microsoft.com/office/drawing/2008/diagram" xmlns:dgm="http://schemas.openxmlformats.org/drawingml/2006/diagram" xmlns:c="http://schemas.openxmlformats.org/drawingml/2006/chart" xmlns="">
+    <mc:Fallback>
       <p:transition/>
     </mc:Fallback>
   </mc:AlternateContent>
@@ -10866,7 +11021,7 @@
 </file>
 
 <file path=ppt/slides/slide11.xml><?xml version="1.0" encoding="utf-8"?>
-<p:sld xmlns:a="http://schemas.openxmlformats.org/drawingml/2006/main" xmlns:r="http://schemas.openxmlformats.org/officeDocument/2006/relationships" xmlns:p="http://schemas.openxmlformats.org/presentationml/2006/main">
+<p:sld xmlns:r="http://schemas.openxmlformats.org/officeDocument/2006/relationships" xmlns:c="http://schemas.openxmlformats.org/drawingml/2006/chart" xmlns:a="http://schemas.openxmlformats.org/drawingml/2006/main" xmlns:dgm="http://schemas.openxmlformats.org/drawingml/2006/diagram" xmlns:dsp="http://schemas.microsoft.com/office/drawing/2008/diagram" xmlns:p="http://schemas.openxmlformats.org/presentationml/2006/main">
   <p:cSld>
     <p:spTree>
       <p:nvGrpSpPr>
@@ -10884,13 +11039,7 @@
       </p:grpSpPr>
       <p:pic>
         <p:nvPicPr>
-          <p:cNvPr id="17" name="Picture 2" descr="\\Server\share\공유\한국산업안전보건공단\PPT-원고\소스\서비스블루.png">
-            <a:extLst>
-              <a:ext uri="{FF2B5EF4-FFF2-40B4-BE49-F238E27FC236}">
-                <a16:creationId xmlns:a16="http://schemas.microsoft.com/office/drawing/2014/main" id="{FD27415B-BEA1-48A0-952F-338124D6C25C}"/>
-              </a:ext>
-            </a:extLst>
-          </p:cNvPr>
+          <p:cNvPr id="17" name="Picture 2" descr="\\Server\share\공유\한국산업안전보건공단\PPT-원고\소스\서비스블루.png"/>
           <p:cNvPicPr>
             <a:picLocks noChangeAspect="1" noChangeArrowheads="1"/>
           </p:cNvPicPr>
@@ -10952,37 +11101,42 @@
               <a:defRPr/>
             </a:pPr>
             <a:r>
-              <a:rPr kumimoji="0" lang="ko-KR" altLang="en-US" sz="3200" kern="0" dirty="0">
-                <a:solidFill>
-                  <a:srgbClr val="0000FF"/>
+              <a:rPr kumimoji="0" lang="ko-KR" altLang="en-US" sz="3200" kern="0">
+                <a:solidFill>
+                  <a:srgbClr val="0000ff"/>
                 </a:solidFill>
               </a:rPr>
               <a:t>변수의 타입 및 유형</a:t>
             </a:r>
             <a:r>
-              <a:rPr lang="ko-KR" altLang="en-US" sz="3200" kern="0" dirty="0">
-                <a:solidFill>
-                  <a:srgbClr val="0000FF"/>
+              <a:rPr lang="ko-KR" altLang="en-US" sz="3200" kern="0">
+                <a:solidFill>
+                  <a:srgbClr val="0000ff"/>
                 </a:solidFill>
               </a:rPr>
               <a:t> </a:t>
             </a:r>
             <a:r>
-              <a:rPr lang="ko-KR" altLang="en-US" sz="3200" kern="0" dirty="0">
-                <a:solidFill>
-                  <a:srgbClr val="00B050"/>
+              <a:rPr lang="ko-KR" altLang="en-US" sz="3200" kern="0">
+                <a:solidFill>
+                  <a:srgbClr val="00b050"/>
                 </a:solidFill>
               </a:rPr>
               <a:t>                             </a:t>
             </a:r>
             <a:r>
-              <a:rPr lang="ko-KR" altLang="en-US" sz="2000" kern="0" dirty="0">
-                <a:solidFill>
-                  <a:srgbClr val="00B050"/>
+              <a:rPr lang="ko-KR" altLang="en-US" sz="2000" kern="0">
+                <a:solidFill>
+                  <a:srgbClr val="00b050"/>
                 </a:solidFill>
               </a:rPr>
               <a:t>본시 학습</a:t>
             </a:r>
+            <a:endParaRPr lang="ko-KR" altLang="en-US" sz="2000" kern="0">
+              <a:solidFill>
+                <a:srgbClr val="00b050"/>
+              </a:solidFill>
+            </a:endParaRPr>
           </a:p>
         </p:txBody>
       </p:sp>
@@ -10993,7 +11147,7 @@
           <p:nvPr/>
         </p:nvGrpSpPr>
         <p:grpSpPr>
-          <a:xfrm>
+          <a:xfrm rot="0">
             <a:off x="480860" y="980727"/>
             <a:ext cx="5675315" cy="5328592"/>
             <a:chOff x="981072" y="1449388"/>
@@ -11007,7 +11161,7 @@
             <p:nvPr/>
           </p:nvGrpSpPr>
           <p:grpSpPr>
-            <a:xfrm>
+            <a:xfrm rot="0">
               <a:off x="981072" y="1449388"/>
               <a:ext cx="5459288" cy="3513316"/>
               <a:chOff x="981074" y="1449390"/>
@@ -11077,7 +11231,7 @@
               <p:nvPr/>
             </p:nvGrpSpPr>
             <p:grpSpPr>
-              <a:xfrm>
+              <a:xfrm rot="0">
                 <a:off x="981074" y="1449390"/>
                 <a:ext cx="2579688" cy="474772"/>
                 <a:chOff x="623887" y="1659480"/>
@@ -11109,7 +11263,7 @@
                 </a:ln>
                 <a:effectLst>
                   <a:outerShdw dist="35921" dir="2700000" algn="ctr" rotWithShape="0">
-                    <a:srgbClr val="C0C0C0"/>
+                    <a:srgbClr val="c0c0c0"/>
                   </a:outerShdw>
                 </a:effectLst>
               </p:spPr>
@@ -11145,7 +11299,7 @@
                   <a:avLst/>
                 </a:prstGeom>
                 <a:solidFill>
-                  <a:srgbClr val="FF7C80"/>
+                  <a:srgbClr val="ff7c80"/>
                 </a:solidFill>
                 <a:ln w="9525" algn="ctr">
                   <a:noFill/>
@@ -11209,6 +11363,11 @@
                     </a:rPr>
                     <a:t>유도형</a:t>
                   </a:r>
+                  <a:endParaRPr lang="ko-KR" altLang="en-US" sz="2000" b="1">
+                    <a:solidFill>
+                      <a:schemeClr val="bg1"/>
+                    </a:solidFill>
+                  </a:endParaRPr>
                 </a:p>
               </p:txBody>
             </p:sp>
@@ -11251,6 +11410,7 @@
                 <a:rPr lang="ko-KR" altLang="en-US" sz="1600"/>
                 <a:t>배열 / 구조체 / 공용체 / 포인터</a:t>
               </a:r>
+              <a:endParaRPr lang="ko-KR" altLang="en-US" sz="1600"/>
             </a:p>
             <a:p>
               <a:pPr>
@@ -11260,6 +11420,7 @@
                 <a:rPr lang="ko-KR" altLang="en-US" sz="1600"/>
                 <a:t>같은 것들이 유도형 변수에 속한다.</a:t>
               </a:r>
+              <a:endParaRPr lang="ko-KR" altLang="en-US" sz="1600"/>
             </a:p>
             <a:p>
               <a:pPr>
@@ -11294,6 +11455,11 @@
                 </a:rPr>
                 <a:t>(Array)</a:t>
               </a:r>
+              <a:endParaRPr lang="en-US" altLang="ko-KR" sz="1600" b="1">
+                <a:solidFill>
+                  <a:schemeClr val="tx1"/>
+                </a:solidFill>
+              </a:endParaRPr>
             </a:p>
             <a:p>
               <a:pPr>
@@ -11315,6 +11481,7 @@
                 <a:rPr lang="en-US" altLang="ko-KR" sz="1600"/>
                 <a:t>.</a:t>
               </a:r>
+              <a:endParaRPr lang="en-US" altLang="ko-KR" sz="1600"/>
             </a:p>
             <a:p>
               <a:pPr>
@@ -11328,6 +11495,7 @@
                 <a:rPr lang="ko-KR" altLang="en-US" sz="1600"/>
                 <a:t>정수면 정수, 실수면 실수, 문자면 문자… </a:t>
               </a:r>
+              <a:endParaRPr lang="ko-KR" altLang="en-US" sz="1600"/>
             </a:p>
             <a:p>
               <a:pPr>
@@ -11345,6 +11513,7 @@
                 <a:rPr lang="en-US" altLang="ko-KR" sz="1600"/>
                 <a:t>.</a:t>
               </a:r>
+              <a:endParaRPr lang="en-US" altLang="ko-KR" sz="1600"/>
             </a:p>
             <a:p>
               <a:pPr marL="0" indent="0">
@@ -11371,6 +11540,11 @@
                 </a:rPr>
                 <a:t>배열 선언</a:t>
               </a:r>
+              <a:endParaRPr lang="ko-KR" altLang="en-US" sz="1600" b="1">
+                <a:solidFill>
+                  <a:schemeClr val="tx1"/>
+                </a:solidFill>
+              </a:endParaRPr>
             </a:p>
             <a:p>
               <a:pPr marL="0" indent="0">
@@ -11397,6 +11571,11 @@
                 </a:rPr>
                 <a:t>int ages[10];</a:t>
               </a:r>
+              <a:endParaRPr lang="en-US" altLang="ko-KR" sz="1600" b="1">
+                <a:solidFill>
+                  <a:schemeClr val="tx1"/>
+                </a:solidFill>
+              </a:endParaRPr>
             </a:p>
             <a:p>
               <a:pPr marL="0" indent="0">
@@ -11415,6 +11594,11 @@
                 </a:rPr>
                 <a:t>   char name[16];</a:t>
               </a:r>
+              <a:endParaRPr lang="en-US" altLang="ko-KR" sz="1600" b="1">
+                <a:solidFill>
+                  <a:schemeClr val="tx1"/>
+                </a:solidFill>
+              </a:endParaRPr>
             </a:p>
             <a:p>
               <a:pPr marL="0" indent="0">
@@ -11449,6 +11633,11 @@
                 </a:rPr>
                 <a:t> </a:t>
               </a:r>
+              <a:endParaRPr lang="en-US" altLang="ko-KR" sz="1600" b="1">
+                <a:solidFill>
+                  <a:schemeClr val="tx1"/>
+                </a:solidFill>
+              </a:endParaRPr>
             </a:p>
             <a:p>
               <a:pPr marL="0" indent="0">
@@ -11467,6 +11656,11 @@
                 </a:rPr>
                 <a:t>   ages[0] = 18;	// index 0 ~ 9</a:t>
               </a:r>
+              <a:endParaRPr lang="en-US" altLang="ko-KR" sz="1600" b="1">
+                <a:solidFill>
+                  <a:schemeClr val="tx1"/>
+                </a:solidFill>
+              </a:endParaRPr>
             </a:p>
             <a:p>
               <a:pPr marL="0" indent="0">
@@ -11536,7 +11730,7 @@
             <a:fld id="{7F65F548-4073-416B-8831-474EB8B0CAAB}" type="slidenum">
               <a:rPr kumimoji="0" lang="en-US" altLang="en-US" sz="2400" b="1">
                 <a:solidFill>
-                  <a:srgbClr val="0237CE"/>
+                  <a:srgbClr val="0237ce"/>
                 </a:solidFill>
               </a:rPr>
               <a:pPr algn="ctr" latinLnBrk="0">
@@ -11546,7 +11740,7 @@
             </a:fld>
             <a:endParaRPr kumimoji="0" lang="en-US" altLang="en-US" sz="2400" b="1">
               <a:solidFill>
-                <a:srgbClr val="0237CE"/>
+                <a:srgbClr val="0237ce"/>
               </a:solidFill>
             </a:endParaRPr>
           </a:p>
@@ -11584,49 +11778,26 @@
       </p:pic>
       <p:pic>
         <p:nvPicPr>
-          <p:cNvPr id="18" name="Picture 2" descr="c언어 변수.png에 대한 이미지 검색결과">
-            <a:extLst>
-              <a:ext uri="{FF2B5EF4-FFF2-40B4-BE49-F238E27FC236}">
-                <a16:creationId xmlns:a16="http://schemas.microsoft.com/office/drawing/2014/main" id="{4332C56B-03B9-4DC1-9EE3-6D67464C245C}"/>
-              </a:ext>
-            </a:extLst>
-          </p:cNvPr>
+          <p:cNvPr id="30" name=""/>
           <p:cNvPicPr>
-            <a:picLocks noChangeAspect="1" noChangeArrowheads="1"/>
+            <a:picLocks noChangeAspect="1"/>
           </p:cNvPicPr>
           <p:nvPr/>
         </p:nvPicPr>
-        <p:blipFill>
-          <a:blip r:embed="rId5">
-            <a:extLst>
-              <a:ext uri="{28A0092B-C50C-407E-A947-70E740481C1C}">
-                <a14:useLocalDpi xmlns:a14="http://schemas.microsoft.com/office/drawing/2010/main" val="0"/>
-              </a:ext>
-            </a:extLst>
-          </a:blip>
-          <a:srcRect/>
+        <p:blipFill rotWithShape="1">
+          <a:blip r:embed="rId5"/>
           <a:stretch>
             <a:fillRect/>
           </a:stretch>
         </p:blipFill>
-        <p:spPr bwMode="auto">
+        <p:spPr>
           <a:xfrm>
-            <a:off x="6732240" y="885986"/>
-            <a:ext cx="1849215" cy="1849215"/>
+            <a:off x="7020272" y="764704"/>
+            <a:ext cx="1800200" cy="1800200"/>
           </a:xfrm>
           <a:prstGeom prst="rect">
             <a:avLst/>
           </a:prstGeom>
-          <a:noFill/>
-          <a:extLst>
-            <a:ext uri="{909E8E84-426E-40DD-AFC4-6F175D3DCCD1}">
-              <a14:hiddenFill xmlns:a14="http://schemas.microsoft.com/office/drawing/2010/main">
-                <a:solidFill>
-                  <a:srgbClr val="FFFFFF"/>
-                </a:solidFill>
-              </a14:hiddenFill>
-            </a:ext>
-          </a:extLst>
         </p:spPr>
       </p:pic>
     </p:spTree>
@@ -11634,11 +11805,11 @@
   <p:clrMapOvr>
     <a:masterClrMapping/>
   </p:clrMapOvr>
-  <mc:AlternateContent xmlns:mc="http://schemas.openxmlformats.org/markup-compatibility/2006" xmlns:p14="http://schemas.microsoft.com/office/powerpoint/2010/main">
-    <mc:Choice Requires="p14">
-      <p:transition/>
+  <mc:AlternateContent xmlns:mc="http://schemas.openxmlformats.org/markup-compatibility/2006">
+    <mc:Choice xmlns:p14="http://schemas.microsoft.com/office/powerpoint/2010/main" Requires="p14">
+      <p:transition xmlns:mc="http://schemas.openxmlformats.org/markup-compatibility/2006" xmlns:p14="http://schemas.microsoft.com/office/powerpoint/2010/main" mc:Ignorable="p14" p14:dur="500"/>
     </mc:Choice>
-    <mc:Fallback xmlns:dsp="http://schemas.microsoft.com/office/drawing/2008/diagram" xmlns:dgm="http://schemas.openxmlformats.org/drawingml/2006/diagram" xmlns:c="http://schemas.openxmlformats.org/drawingml/2006/chart" xmlns="">
+    <mc:Fallback>
       <p:transition/>
     </mc:Fallback>
   </mc:AlternateContent>
@@ -11732,7 +11903,7 @@
 </file>
 
 <file path=ppt/slides/slide12.xml><?xml version="1.0" encoding="utf-8"?>
-<p:sld xmlns:a="http://schemas.openxmlformats.org/drawingml/2006/main" xmlns:r="http://schemas.openxmlformats.org/officeDocument/2006/relationships" xmlns:p="http://schemas.openxmlformats.org/presentationml/2006/main">
+<p:sld xmlns:r="http://schemas.openxmlformats.org/officeDocument/2006/relationships" xmlns:c="http://schemas.openxmlformats.org/drawingml/2006/chart" xmlns:a="http://schemas.openxmlformats.org/drawingml/2006/main" xmlns:dgm="http://schemas.openxmlformats.org/drawingml/2006/diagram" xmlns:dsp="http://schemas.microsoft.com/office/drawing/2008/diagram" xmlns:p="http://schemas.openxmlformats.org/presentationml/2006/main">
   <p:cSld>
     <p:spTree>
       <p:nvGrpSpPr>
@@ -11750,13 +11921,7 @@
       </p:grpSpPr>
       <p:pic>
         <p:nvPicPr>
-          <p:cNvPr id="17" name="Picture 2" descr="\\Server\share\공유\한국산업안전보건공단\PPT-원고\소스\서비스블루.png">
-            <a:extLst>
-              <a:ext uri="{FF2B5EF4-FFF2-40B4-BE49-F238E27FC236}">
-                <a16:creationId xmlns:a16="http://schemas.microsoft.com/office/drawing/2014/main" id="{060262E1-8E67-4518-9A68-A39718A8B612}"/>
-              </a:ext>
-            </a:extLst>
-          </p:cNvPr>
+          <p:cNvPr id="17" name="Picture 2" descr="\\Server\share\공유\한국산업안전보건공단\PPT-원고\소스\서비스블루.png"/>
           <p:cNvPicPr>
             <a:picLocks noChangeAspect="1" noChangeArrowheads="1"/>
           </p:cNvPicPr>
@@ -11818,37 +11983,42 @@
               <a:defRPr/>
             </a:pPr>
             <a:r>
-              <a:rPr kumimoji="0" lang="ko-KR" altLang="en-US" sz="3200" kern="0" dirty="0">
-                <a:solidFill>
-                  <a:srgbClr val="0000FF"/>
+              <a:rPr kumimoji="0" lang="ko-KR" altLang="en-US" sz="3200" kern="0">
+                <a:solidFill>
+                  <a:srgbClr val="0000ff"/>
                 </a:solidFill>
               </a:rPr>
               <a:t>변수의 타입 및 유형</a:t>
             </a:r>
             <a:r>
-              <a:rPr lang="ko-KR" altLang="en-US" sz="3200" kern="0" dirty="0">
-                <a:solidFill>
-                  <a:srgbClr val="0000FF"/>
+              <a:rPr lang="ko-KR" altLang="en-US" sz="3200" kern="0">
+                <a:solidFill>
+                  <a:srgbClr val="0000ff"/>
                 </a:solidFill>
               </a:rPr>
               <a:t> </a:t>
             </a:r>
             <a:r>
-              <a:rPr lang="ko-KR" altLang="en-US" sz="3200" kern="0" dirty="0">
-                <a:solidFill>
-                  <a:srgbClr val="00B050"/>
+              <a:rPr lang="ko-KR" altLang="en-US" sz="3200" kern="0">
+                <a:solidFill>
+                  <a:srgbClr val="00b050"/>
                 </a:solidFill>
               </a:rPr>
               <a:t>                             </a:t>
             </a:r>
             <a:r>
-              <a:rPr lang="ko-KR" altLang="en-US" sz="2000" kern="0" dirty="0">
-                <a:solidFill>
-                  <a:srgbClr val="00B050"/>
+              <a:rPr lang="ko-KR" altLang="en-US" sz="2000" kern="0">
+                <a:solidFill>
+                  <a:srgbClr val="00b050"/>
                 </a:solidFill>
               </a:rPr>
               <a:t>본시 학습</a:t>
             </a:r>
+            <a:endParaRPr lang="ko-KR" altLang="en-US" sz="2000" kern="0">
+              <a:solidFill>
+                <a:srgbClr val="00b050"/>
+              </a:solidFill>
+            </a:endParaRPr>
           </a:p>
         </p:txBody>
       </p:sp>
@@ -11859,7 +12029,7 @@
           <p:nvPr/>
         </p:nvGrpSpPr>
         <p:grpSpPr>
-          <a:xfrm>
+          <a:xfrm rot="0">
             <a:off x="480860" y="980729"/>
             <a:ext cx="5675315" cy="5141941"/>
             <a:chOff x="981072" y="1449389"/>
@@ -11873,7 +12043,7 @@
             <p:nvPr/>
           </p:nvGrpSpPr>
           <p:grpSpPr>
-            <a:xfrm>
+            <a:xfrm rot="0">
               <a:off x="981072" y="1449389"/>
               <a:ext cx="5459288" cy="3370882"/>
               <a:chOff x="981074" y="1449390"/>
@@ -11943,7 +12113,7 @@
               <p:nvPr/>
             </p:nvGrpSpPr>
             <p:grpSpPr>
-              <a:xfrm>
+              <a:xfrm rot="0">
                 <a:off x="981074" y="1449390"/>
                 <a:ext cx="2579688" cy="474772"/>
                 <a:chOff x="623887" y="1659480"/>
@@ -11975,7 +12145,7 @@
                 </a:ln>
                 <a:effectLst>
                   <a:outerShdw dist="35921" dir="2700000" algn="ctr" rotWithShape="0">
-                    <a:srgbClr val="C0C0C0"/>
+                    <a:srgbClr val="c0c0c0"/>
                   </a:outerShdw>
                 </a:effectLst>
               </p:spPr>
@@ -12011,7 +12181,7 @@
                   <a:avLst/>
                 </a:prstGeom>
                 <a:solidFill>
-                  <a:srgbClr val="FF7C80"/>
+                  <a:srgbClr val="ff7c80"/>
                 </a:solidFill>
                 <a:ln w="9525" algn="ctr">
                   <a:noFill/>
@@ -12075,6 +12245,11 @@
                     </a:rPr>
                     <a:t>유도형</a:t>
                   </a:r>
+                  <a:endParaRPr lang="ko-KR" altLang="en-US" sz="2000" b="1">
+                    <a:solidFill>
+                      <a:schemeClr val="bg1"/>
+                    </a:solidFill>
+                  </a:endParaRPr>
                 </a:p>
               </p:txBody>
             </p:sp>
@@ -12106,7 +12281,7 @@
                 <a:defRPr/>
               </a:pPr>
               <a:r>
-                <a:rPr lang="ko-KR" altLang="en-US" sz="1600" b="1" dirty="0">
+                <a:rPr lang="ko-KR" altLang="en-US" sz="1600" b="1">
                   <a:solidFill>
                     <a:schemeClr val="tx1"/>
                   </a:solidFill>
@@ -12114,26 +12289,20 @@
                 <a:t>기본형 변수를 확장한 형태로 </a:t>
               </a:r>
               <a:r>
-                <a:rPr lang="ko-KR" altLang="en-US" sz="1600" dirty="0"/>
-                <a:t>배열 / 구조체 / </a:t>
+                <a:rPr lang="ko-KR" altLang="en-US" sz="1600"/>
+                <a:t>배열 / 구조체 / 공용체 / 포인터</a:t>
               </a:r>
-              <a:r>
-                <a:rPr lang="ko-KR" altLang="en-US" sz="1600" dirty="0" err="1"/>
-                <a:t>공용체</a:t>
-              </a:r>
-              <a:r>
-                <a:rPr lang="ko-KR" altLang="en-US" sz="1600" dirty="0"/>
-                <a:t> / 포인터</a:t>
-              </a:r>
+              <a:endParaRPr lang="ko-KR" altLang="en-US" sz="1600"/>
             </a:p>
             <a:p>
               <a:pPr>
                 <a:defRPr/>
               </a:pPr>
               <a:r>
-                <a:rPr lang="ko-KR" altLang="en-US" sz="1600" dirty="0"/>
+                <a:rPr lang="ko-KR" altLang="en-US" sz="1600"/>
                 <a:t>같은 것들이 유도형 변수에 속한다.</a:t>
               </a:r>
+              <a:endParaRPr lang="ko-KR" altLang="en-US" sz="1600"/>
             </a:p>
             <a:p>
               <a:pPr>
@@ -12147,7 +12316,7 @@
                 <a:defRPr/>
               </a:pPr>
               <a:r>
-                <a:rPr lang="ko-KR" altLang="en-US" sz="1600" b="1" dirty="0">
+                <a:rPr lang="ko-KR" altLang="en-US" sz="1600" b="1">
                   <a:solidFill>
                     <a:schemeClr val="tx1"/>
                   </a:solidFill>
@@ -12155,20 +12324,25 @@
                 <a:t> 구조체</a:t>
               </a:r>
               <a:r>
-                <a:rPr lang="en-US" altLang="ko-KR" sz="1600" b="1" dirty="0">
+                <a:rPr lang="en-US" altLang="ko-KR" sz="1600" b="1">
                   <a:solidFill>
                     <a:schemeClr val="tx1"/>
                   </a:solidFill>
                 </a:rPr>
                 <a:t>(struct)</a:t>
               </a:r>
+              <a:endParaRPr lang="en-US" altLang="ko-KR" sz="1600" b="1">
+                <a:solidFill>
+                  <a:schemeClr val="tx1"/>
+                </a:solidFill>
+              </a:endParaRPr>
             </a:p>
             <a:p>
               <a:pPr>
                 <a:defRPr/>
               </a:pPr>
               <a:r>
-                <a:rPr lang="en-US" altLang="ko-KR" sz="1600" b="1" dirty="0">
+                <a:rPr lang="en-US" altLang="ko-KR" sz="1600" b="1">
                   <a:solidFill>
                     <a:schemeClr val="tx1"/>
                   </a:solidFill>
@@ -12176,28 +12350,21 @@
                 <a:t> </a:t>
               </a:r>
               <a:r>
-                <a:rPr lang="ko-KR" altLang="en-US" sz="1600" dirty="0"/>
+                <a:rPr lang="ko-KR" altLang="en-US" sz="1600"/>
                 <a:t>서로 다른 타입의 집합체이다.</a:t>
               </a:r>
+              <a:endParaRPr lang="ko-KR" altLang="en-US" sz="1600"/>
             </a:p>
             <a:p>
               <a:pPr>
                 <a:defRPr/>
               </a:pPr>
               <a:r>
-                <a:rPr lang="ko-KR" altLang="en-US" sz="1600" dirty="0"/>
-                <a:t> 구조체를 만드는 키워드는 </a:t>
+                <a:rPr lang="ko-KR" altLang="en-US" sz="1600"/>
+                <a:t> 구조체를 만드는 키워드는 struct </a:t>
               </a:r>
               <a:r>
-                <a:rPr lang="ko-KR" altLang="en-US" sz="1600" dirty="0" err="1"/>
-                <a:t>struct</a:t>
-              </a:r>
-              <a:r>
-                <a:rPr lang="ko-KR" altLang="en-US" sz="1600" dirty="0"/>
-                <a:t> </a:t>
-              </a:r>
-              <a:r>
-                <a:rPr lang="en-US" altLang="ko-KR" sz="1600" b="1" dirty="0">
+                <a:rPr lang="en-US" altLang="ko-KR" sz="1600" b="1">
                   <a:solidFill>
                     <a:schemeClr val="tx1"/>
                   </a:solidFill>
@@ -12205,7 +12372,7 @@
                 <a:t> </a:t>
               </a:r>
               <a:r>
-                <a:rPr lang="ko-KR" altLang="en-US" sz="1600" b="1" dirty="0">
+                <a:rPr lang="ko-KR" altLang="en-US" sz="1600" b="1">
                   <a:solidFill>
                     <a:schemeClr val="tx1"/>
                   </a:solidFill>
@@ -12213,13 +12380,18 @@
                 <a:t>이다</a:t>
               </a:r>
               <a:r>
-                <a:rPr lang="en-US" altLang="ko-KR" sz="1600" b="1" dirty="0">
+                <a:rPr lang="en-US" altLang="ko-KR" sz="1600" b="1">
                   <a:solidFill>
                     <a:schemeClr val="tx1"/>
                   </a:solidFill>
                 </a:rPr>
                 <a:t>.</a:t>
               </a:r>
+              <a:endParaRPr lang="en-US" altLang="ko-KR" sz="1600" b="1">
+                <a:solidFill>
+                  <a:schemeClr val="tx1"/>
+                </a:solidFill>
+              </a:endParaRPr>
             </a:p>
             <a:p>
               <a:pPr marL="0" indent="0">
@@ -12231,7 +12403,7 @@
                 <a:defRPr/>
               </a:pPr>
               <a:r>
-                <a:rPr lang="en-US" altLang="ko-KR" sz="1600" b="1" dirty="0">
+                <a:rPr lang="en-US" altLang="ko-KR" sz="1600" b="1">
                   <a:solidFill>
                     <a:schemeClr val="tx1"/>
                   </a:solidFill>
@@ -12239,20 +12411,25 @@
                 <a:t>   -. </a:t>
               </a:r>
               <a:r>
-                <a:rPr lang="ko-KR" altLang="en-US" sz="1600" b="1" dirty="0">
+                <a:rPr lang="ko-KR" altLang="en-US" sz="1600" b="1">
                   <a:solidFill>
                     <a:schemeClr val="tx1"/>
                   </a:solidFill>
                 </a:rPr>
                 <a:t>구조체 선언</a:t>
               </a:r>
+              <a:endParaRPr lang="ko-KR" altLang="en-US" sz="1600" b="1">
+                <a:solidFill>
+                  <a:schemeClr val="tx1"/>
+                </a:solidFill>
+              </a:endParaRPr>
             </a:p>
             <a:p>
               <a:pPr>
                 <a:defRPr/>
               </a:pPr>
               <a:r>
-                <a:rPr lang="ko-KR" altLang="en-US" sz="1600" b="1" dirty="0">
+                <a:rPr lang="ko-KR" altLang="en-US" sz="1600" b="1">
                   <a:solidFill>
                     <a:schemeClr val="tx1"/>
                   </a:solidFill>
@@ -12260,162 +12437,120 @@
                 <a:t>  </a:t>
               </a:r>
               <a:r>
-                <a:rPr lang="ko-KR" altLang="en-US" sz="1600" dirty="0" err="1"/>
-                <a:t>struct</a:t>
+                <a:rPr lang="ko-KR" altLang="en-US" sz="1600"/>
+                <a:t>struct {</a:t>
               </a:r>
               <a:r>
-                <a:rPr lang="ko-KR" altLang="en-US" sz="1600" dirty="0"/>
-                <a:t> {</a:t>
-              </a:r>
-              <a:r>
-                <a:rPr lang="en-US" altLang="ko-KR" sz="1600" dirty="0"/>
+                <a:rPr lang="en-US" altLang="ko-KR" sz="1600"/>
                 <a:t>                     typedef struct _member{</a:t>
               </a:r>
+              <a:endParaRPr lang="en-US" altLang="ko-KR" sz="1600"/>
             </a:p>
             <a:p>
               <a:pPr>
                 <a:defRPr/>
               </a:pPr>
               <a:r>
-                <a:rPr lang="ko-KR" altLang="en-US" sz="1600" dirty="0"/>
-                <a:t>    </a:t>
+                <a:rPr lang="ko-KR" altLang="en-US" sz="1600"/>
+                <a:t>    char </a:t>
               </a:r>
               <a:r>
-                <a:rPr lang="ko-KR" altLang="en-US" sz="1600" dirty="0" err="1"/>
-                <a:t>char</a:t>
-              </a:r>
-              <a:r>
-                <a:rPr lang="ko-KR" altLang="en-US" sz="1600" dirty="0"/>
-                <a:t> </a:t>
-              </a:r>
-              <a:r>
-                <a:rPr lang="en-US" altLang="ko-KR" sz="1600" dirty="0"/>
+                <a:rPr lang="en-US" altLang="ko-KR" sz="1600"/>
                 <a:t>n</a:t>
               </a:r>
               <a:r>
-                <a:rPr lang="ko-KR" altLang="en-US" sz="1600" dirty="0" err="1"/>
-                <a:t>ame</a:t>
+                <a:rPr lang="ko-KR" altLang="en-US" sz="1600"/>
+                <a:t>ame[1</a:t>
               </a:r>
               <a:r>
-                <a:rPr lang="ko-KR" altLang="en-US" sz="1600" dirty="0"/>
-                <a:t>[1</a:t>
-              </a:r>
-              <a:r>
-                <a:rPr lang="en-US" altLang="ko-KR" sz="1600" dirty="0"/>
+                <a:rPr lang="en-US" altLang="ko-KR" sz="1600"/>
                 <a:t>6</a:t>
               </a:r>
               <a:r>
-                <a:rPr lang="ko-KR" altLang="en-US" sz="1600" dirty="0"/>
+                <a:rPr lang="ko-KR" altLang="en-US" sz="1600"/>
                 <a:t>];</a:t>
               </a:r>
               <a:r>
-                <a:rPr lang="en-US" altLang="ko-KR" sz="1600" dirty="0"/>
+                <a:rPr lang="en-US" altLang="ko-KR" sz="1600"/>
                 <a:t>          char  name[16];</a:t>
               </a:r>
+              <a:endParaRPr lang="en-US" altLang="ko-KR" sz="1600"/>
             </a:p>
             <a:p>
               <a:pPr>
                 <a:defRPr/>
               </a:pPr>
               <a:r>
-                <a:rPr lang="ko-KR" altLang="en-US" sz="1600" dirty="0"/>
-                <a:t>    </a:t>
+                <a:rPr lang="ko-KR" altLang="en-US" sz="1600"/>
+                <a:t>    int </a:t>
               </a:r>
               <a:r>
-                <a:rPr lang="ko-KR" altLang="en-US" sz="1600" dirty="0" err="1"/>
-                <a:t>int</a:t>
-              </a:r>
-              <a:r>
-                <a:rPr lang="ko-KR" altLang="en-US" sz="1600" dirty="0"/>
-                <a:t> </a:t>
-              </a:r>
-              <a:r>
-                <a:rPr lang="en-US" altLang="ko-KR" sz="1600" dirty="0"/>
+                <a:rPr lang="en-US" altLang="ko-KR" sz="1600"/>
                 <a:t>   a</a:t>
               </a:r>
               <a:r>
-                <a:rPr lang="ko-KR" altLang="en-US" sz="1600" dirty="0" err="1"/>
-                <a:t>ge</a:t>
+                <a:rPr lang="ko-KR" altLang="en-US" sz="1600"/>
+                <a:t>ge;</a:t>
               </a:r>
               <a:r>
-                <a:rPr lang="ko-KR" altLang="en-US" sz="1600" dirty="0"/>
-                <a:t>;</a:t>
-              </a:r>
-              <a:r>
-                <a:rPr lang="en-US" altLang="ko-KR" sz="1600" dirty="0"/>
+                <a:rPr lang="en-US" altLang="ko-KR" sz="1600"/>
                 <a:t>                   int     age;</a:t>
               </a:r>
+              <a:endParaRPr lang="en-US" altLang="ko-KR" sz="1600"/>
             </a:p>
             <a:p>
               <a:pPr>
                 <a:defRPr/>
               </a:pPr>
               <a:r>
-                <a:rPr lang="en-US" altLang="ko-KR" sz="1600" dirty="0"/>
+                <a:rPr lang="en-US" altLang="ko-KR" sz="1600"/>
                 <a:t>    </a:t>
               </a:r>
               <a:r>
-                <a:rPr lang="ko-KR" altLang="en-US" sz="1600" dirty="0" err="1"/>
-                <a:t>float</a:t>
+                <a:rPr lang="ko-KR" altLang="en-US" sz="1600"/>
+                <a:t>float Height;</a:t>
               </a:r>
               <a:r>
-                <a:rPr lang="ko-KR" altLang="en-US" sz="1600" dirty="0"/>
-                <a:t> </a:t>
-              </a:r>
-              <a:r>
-                <a:rPr lang="ko-KR" altLang="en-US" sz="1600" dirty="0" err="1"/>
-                <a:t>Height</a:t>
-              </a:r>
-              <a:r>
-                <a:rPr lang="ko-KR" altLang="en-US" sz="1600" dirty="0"/>
-                <a:t>;</a:t>
-              </a:r>
-              <a:r>
-                <a:rPr lang="en-US" altLang="ko-KR" sz="1600" dirty="0"/>
+                <a:rPr lang="en-US" altLang="ko-KR" sz="1600"/>
                 <a:t>               float  height;</a:t>
               </a:r>
+              <a:endParaRPr lang="en-US" altLang="ko-KR" sz="1600"/>
             </a:p>
             <a:p>
               <a:pPr>
                 <a:defRPr/>
               </a:pPr>
               <a:r>
-                <a:rPr lang="en-US" altLang="ko-KR" sz="1600" dirty="0"/>
+                <a:rPr lang="en-US" altLang="ko-KR" sz="1600"/>
                 <a:t>   </a:t>
               </a:r>
               <a:r>
-                <a:rPr lang="ko-KR" altLang="en-US" sz="1600" dirty="0"/>
+                <a:rPr lang="ko-KR" altLang="en-US" sz="1600"/>
                 <a:t>} </a:t>
               </a:r>
               <a:r>
-                <a:rPr lang="en-US" altLang="ko-KR" sz="1600" dirty="0"/>
+                <a:rPr lang="en-US" altLang="ko-KR" sz="1600"/>
                 <a:t>Member</a:t>
               </a:r>
               <a:r>
-                <a:rPr lang="ko-KR" altLang="en-US" sz="1600" dirty="0"/>
+                <a:rPr lang="ko-KR" altLang="en-US" sz="1600"/>
                 <a:t>;</a:t>
               </a:r>
               <a:r>
-                <a:rPr lang="en-US" altLang="ko-KR" sz="1600" dirty="0"/>
-                <a:t>                   _member *</a:t>
+                <a:rPr lang="en-US" altLang="ko-KR" sz="1600"/>
+                <a:t>                   _member *pnext;</a:t>
               </a:r>
-              <a:r>
-                <a:rPr lang="en-US" altLang="ko-KR" sz="1600" dirty="0" err="1"/>
-                <a:t>pnext</a:t>
-              </a:r>
-              <a:r>
-                <a:rPr lang="en-US" altLang="ko-KR" sz="1600" dirty="0"/>
-                <a:t>;</a:t>
-              </a:r>
+              <a:endParaRPr lang="en-US" altLang="ko-KR" sz="1600"/>
             </a:p>
             <a:p>
               <a:pPr>
                 <a:defRPr/>
               </a:pPr>
               <a:r>
-                <a:rPr lang="en-US" altLang="ko-KR" sz="1600" dirty="0"/>
+                <a:rPr lang="en-US" altLang="ko-KR" sz="1600"/>
                 <a:t>                                  } Member;</a:t>
               </a:r>
+              <a:endParaRPr lang="en-US" altLang="ko-KR" sz="1600"/>
             </a:p>
             <a:p>
               <a:pPr marL="0" indent="0">
@@ -12427,7 +12562,7 @@
                 <a:defRPr/>
               </a:pPr>
               <a:r>
-                <a:rPr lang="en-US" altLang="ko-KR" sz="1600" b="1" dirty="0">
+                <a:rPr lang="en-US" altLang="ko-KR" sz="1600" b="1">
                   <a:solidFill>
                     <a:schemeClr val="tx1"/>
                   </a:solidFill>
@@ -12435,7 +12570,7 @@
                 <a:t>   -. </a:t>
               </a:r>
               <a:r>
-                <a:rPr lang="ko-KR" altLang="en-US" sz="1600" b="1" dirty="0">
+                <a:rPr lang="ko-KR" altLang="en-US" sz="1600" b="1">
                   <a:solidFill>
                     <a:schemeClr val="tx1"/>
                   </a:solidFill>
@@ -12443,13 +12578,18 @@
                 <a:t>구조체 이용</a:t>
               </a:r>
               <a:r>
-                <a:rPr lang="en-US" altLang="ko-KR" sz="1600" b="1" dirty="0">
+                <a:rPr lang="en-US" altLang="ko-KR" sz="1600" b="1">
                   <a:solidFill>
                     <a:schemeClr val="tx1"/>
                   </a:solidFill>
                 </a:rPr>
                 <a:t> </a:t>
               </a:r>
+              <a:endParaRPr lang="en-US" altLang="ko-KR" sz="1600" b="1">
+                <a:solidFill>
+                  <a:schemeClr val="tx1"/>
+                </a:solidFill>
+              </a:endParaRPr>
             </a:p>
             <a:p>
               <a:pPr marL="0" indent="0">
@@ -12461,13 +12601,18 @@
                 <a:defRPr/>
               </a:pPr>
               <a:r>
-                <a:rPr lang="en-US" altLang="ko-KR" sz="1600" b="1" dirty="0">
+                <a:rPr lang="en-US" altLang="ko-KR" sz="1600" b="1">
                   <a:solidFill>
                     <a:schemeClr val="tx1"/>
                   </a:solidFill>
                 </a:rPr>
                 <a:t>   Member  mem;</a:t>
               </a:r>
+              <a:endParaRPr lang="en-US" altLang="ko-KR" sz="1600" b="1">
+                <a:solidFill>
+                  <a:schemeClr val="tx1"/>
+                </a:solidFill>
+              </a:endParaRPr>
             </a:p>
             <a:p>
               <a:pPr marL="0" indent="0">
@@ -12479,7 +12624,7 @@
                 <a:defRPr/>
               </a:pPr>
               <a:r>
-                <a:rPr lang="ko-KR" altLang="en-US" sz="1600" b="1" dirty="0">
+                <a:rPr lang="ko-KR" altLang="en-US" sz="1600" b="1">
                   <a:solidFill>
                     <a:schemeClr val="tx1"/>
                   </a:solidFill>
@@ -12487,29 +12632,26 @@
                 <a:t>   </a:t>
               </a:r>
               <a:r>
-                <a:rPr lang="en-US" altLang="ko-KR" sz="1600" b="1" dirty="0" err="1">
+                <a:rPr lang="en-US" altLang="ko-KR" sz="1600" b="1">
                   <a:solidFill>
                     <a:schemeClr val="tx1"/>
                   </a:solidFill>
                 </a:rPr>
-                <a:t>strcpy</a:t>
+                <a:t>strcpy(mem.name, “Elizabeth”);</a:t>
               </a:r>
               <a:r>
-                <a:rPr lang="en-US" altLang="ko-KR" sz="1600" b="1" dirty="0">
-                  <a:solidFill>
-                    <a:schemeClr val="tx1"/>
-                  </a:solidFill>
-                </a:rPr>
-                <a:t>(mem.name, “Elizabeth”);</a:t>
-              </a:r>
-              <a:r>
-                <a:rPr lang="ko-KR" altLang="en-US" sz="1600" b="1" dirty="0">
+                <a:rPr lang="ko-KR" altLang="en-US" sz="1600" b="1">
                   <a:solidFill>
                     <a:schemeClr val="tx1"/>
                   </a:solidFill>
                 </a:rPr>
                 <a:t> </a:t>
               </a:r>
+              <a:endParaRPr lang="ko-KR" altLang="en-US" sz="1600" b="1">
+                <a:solidFill>
+                  <a:schemeClr val="tx1"/>
+                </a:solidFill>
+              </a:endParaRPr>
             </a:p>
           </p:txBody>
         </p:sp>
@@ -12544,7 +12686,7 @@
             <a:fld id="{7F65F548-4073-416B-8831-474EB8B0CAAB}" type="slidenum">
               <a:rPr kumimoji="0" lang="en-US" altLang="en-US" sz="2400" b="1">
                 <a:solidFill>
-                  <a:srgbClr val="0237CE"/>
+                  <a:srgbClr val="0237ce"/>
                 </a:solidFill>
               </a:rPr>
               <a:pPr algn="ctr" latinLnBrk="0">
@@ -12552,9 +12694,9 @@
               </a:pPr>
               <a:t>12</a:t>
             </a:fld>
-            <a:endParaRPr kumimoji="0" lang="en-US" altLang="en-US" sz="2400" b="1" dirty="0">
+            <a:endParaRPr kumimoji="0" lang="en-US" altLang="en-US" sz="2400" b="1">
               <a:solidFill>
-                <a:srgbClr val="0237CE"/>
+                <a:srgbClr val="0237ce"/>
               </a:solidFill>
             </a:endParaRPr>
           </a:p>
@@ -12592,49 +12734,26 @@
       </p:pic>
       <p:pic>
         <p:nvPicPr>
-          <p:cNvPr id="18" name="Picture 2" descr="c언어 변수.png에 대한 이미지 검색결과">
-            <a:extLst>
-              <a:ext uri="{FF2B5EF4-FFF2-40B4-BE49-F238E27FC236}">
-                <a16:creationId xmlns:a16="http://schemas.microsoft.com/office/drawing/2014/main" id="{230FDFDC-E7D0-48A7-BD09-2E35822D2368}"/>
-              </a:ext>
-            </a:extLst>
-          </p:cNvPr>
+          <p:cNvPr id="30" name=""/>
           <p:cNvPicPr>
-            <a:picLocks noChangeAspect="1" noChangeArrowheads="1"/>
+            <a:picLocks noChangeAspect="1"/>
           </p:cNvPicPr>
           <p:nvPr/>
         </p:nvPicPr>
-        <p:blipFill>
-          <a:blip r:embed="rId5">
-            <a:extLst>
-              <a:ext uri="{28A0092B-C50C-407E-A947-70E740481C1C}">
-                <a14:useLocalDpi xmlns:a14="http://schemas.microsoft.com/office/drawing/2010/main" val="0"/>
-              </a:ext>
-            </a:extLst>
-          </a:blip>
-          <a:srcRect/>
+        <p:blipFill rotWithShape="1">
+          <a:blip r:embed="rId5"/>
           <a:stretch>
             <a:fillRect/>
           </a:stretch>
         </p:blipFill>
-        <p:spPr bwMode="auto">
+        <p:spPr>
           <a:xfrm>
-            <a:off x="6732240" y="885986"/>
-            <a:ext cx="1849215" cy="1849215"/>
+            <a:off x="7020272" y="908720"/>
+            <a:ext cx="1800200" cy="1800200"/>
           </a:xfrm>
           <a:prstGeom prst="rect">
             <a:avLst/>
           </a:prstGeom>
-          <a:noFill/>
-          <a:extLst>
-            <a:ext uri="{909E8E84-426E-40DD-AFC4-6F175D3DCCD1}">
-              <a14:hiddenFill xmlns:a14="http://schemas.microsoft.com/office/drawing/2010/main">
-                <a:solidFill>
-                  <a:srgbClr val="FFFFFF"/>
-                </a:solidFill>
-              </a14:hiddenFill>
-            </a:ext>
-          </a:extLst>
         </p:spPr>
       </p:pic>
     </p:spTree>
@@ -12642,11 +12761,11 @@
   <p:clrMapOvr>
     <a:masterClrMapping/>
   </p:clrMapOvr>
-  <mc:AlternateContent xmlns:mc="http://schemas.openxmlformats.org/markup-compatibility/2006" xmlns:p14="http://schemas.microsoft.com/office/powerpoint/2010/main">
-    <mc:Choice Requires="p14">
-      <p:transition/>
+  <mc:AlternateContent xmlns:mc="http://schemas.openxmlformats.org/markup-compatibility/2006">
+    <mc:Choice xmlns:p14="http://schemas.microsoft.com/office/powerpoint/2010/main" Requires="p14">
+      <p:transition xmlns:mc="http://schemas.openxmlformats.org/markup-compatibility/2006" xmlns:p14="http://schemas.microsoft.com/office/powerpoint/2010/main" mc:Ignorable="p14" p14:dur="500"/>
     </mc:Choice>
-    <mc:Fallback xmlns:dsp="http://schemas.microsoft.com/office/drawing/2008/diagram" xmlns:dgm="http://schemas.openxmlformats.org/drawingml/2006/diagram" xmlns:c="http://schemas.openxmlformats.org/drawingml/2006/chart" xmlns="">
+    <mc:Fallback>
       <p:transition/>
     </mc:Fallback>
   </mc:AlternateContent>
@@ -12892,10 +13011,10 @@
         </p:nvGrpSpPr>
         <p:grpSpPr>
           <a:xfrm rot="0">
-            <a:off x="480860" y="980729"/>
-            <a:ext cx="5700876" cy="5160991"/>
-            <a:chOff x="981072" y="1449389"/>
-            <a:chExt cx="5700876" cy="3402810"/>
+            <a:off x="480859" y="980729"/>
+            <a:ext cx="6179371" cy="5616622"/>
+            <a:chOff x="981071" y="1449389"/>
+            <a:chExt cx="5700876" cy="3447002"/>
           </a:xfrm>
         </p:grpSpPr>
         <p:grpSp>
@@ -12906,10 +13025,10 @@
           </p:nvGrpSpPr>
           <p:grpSpPr>
             <a:xfrm rot="0">
-              <a:off x="981072" y="1449389"/>
-              <a:ext cx="5459288" cy="3370882"/>
-              <a:chOff x="981074" y="1449390"/>
-              <a:chExt cx="5459288" cy="3370882"/>
+              <a:off x="981071" y="1449389"/>
+              <a:ext cx="5459288" cy="3447001"/>
+              <a:chOff x="981074" y="1449389"/>
+              <a:chExt cx="5459288" cy="3447002"/>
             </a:xfrm>
           </p:grpSpPr>
           <p:sp>
@@ -12920,8 +13039,8 @@
             </p:nvSpPr>
             <p:spPr>
               <a:xfrm>
-                <a:off x="1224038" y="2351457"/>
-                <a:ext cx="5216324" cy="2468815"/>
+                <a:off x="1224038" y="2333235"/>
+                <a:ext cx="5216324" cy="2563156"/>
               </a:xfrm>
               <a:prstGeom prst="roundRect">
                 <a:avLst>
@@ -12994,9 +13113,9 @@
             </p:nvGrpSpPr>
             <p:grpSpPr>
               <a:xfrm rot="0">
-                <a:off x="981074" y="1449390"/>
+                <a:off x="981074" y="1449389"/>
                 <a:ext cx="2579688" cy="474772"/>
-                <a:chOff x="623887" y="1659480"/>
+                <a:chOff x="623887" y="1659479"/>
                 <a:chExt cx="2579672" cy="475604"/>
               </a:xfrm>
             </p:grpSpPr>
@@ -13129,8 +13248,8 @@
               </p:nvSpPr>
               <p:spPr>
                 <a:xfrm>
-                  <a:off x="843130" y="1659480"/>
-                  <a:ext cx="2281071" cy="458224"/>
+                  <a:off x="843129" y="1659479"/>
+                  <a:ext cx="2281071" cy="426520"/>
                 </a:xfrm>
                 <a:prstGeom prst="rect">
                   <a:avLst/>
@@ -13197,8 +13316,8 @@
           </p:nvSpPr>
           <p:spPr>
             <a:xfrm>
-              <a:off x="1227138" y="1971637"/>
-              <a:ext cx="5454810" cy="2880561"/>
+              <a:off x="1227136" y="1971636"/>
+              <a:ext cx="5454811" cy="2802958"/>
             </a:xfrm>
             <a:prstGeom prst="rect">
               <a:avLst/>
@@ -13338,10 +13457,24 @@
                   <a:ea typeface="한컴 윤고딕 230"/>
                   <a:cs typeface="+mn-cs"/>
                 </a:rPr>
-                <a:t> 포인터</a:t>
+                <a:t> </a:t>
               </a:r>
               <a:r>
-                <a:rPr kumimoji="0" lang="en-US" altLang="ko-KR" sz="1600" b="1" i="0" u="none" strike="noStrike" kern="1200" cap="none" spc="0" normalizeH="0" baseline="0">
+                <a:rPr kumimoji="0" lang="ko-KR" altLang="en-US" b="1" i="0" u="none" strike="noStrike" kern="1200" cap="none" spc="0" normalizeH="0" baseline="0">
+                  <a:solidFill>
+                    <a:srgbClr val="264c72"/>
+                  </a:solidFill>
+                  <a:effectLst/>
+                  <a:uLnTx/>
+                  <a:uFillTx/>
+                  <a:latin typeface="Arial"/>
+                  <a:ea typeface="한컴 윤고딕 230"/>
+                  <a:cs typeface="+mn-cs"/>
+                </a:rPr>
+                <a:t>포인터</a:t>
+              </a:r>
+              <a:r>
+                <a:rPr kumimoji="0" lang="en-US" altLang="ko-KR" b="1" i="0" u="none" strike="noStrike" kern="1200" cap="none" spc="0" normalizeH="0" baseline="0">
                   <a:solidFill>
                     <a:srgbClr val="264c72"/>
                   </a:solidFill>
@@ -13385,39 +13518,39 @@
                 <a:t> </a:t>
               </a:r>
               <a:r>
-                <a:rPr lang="ko-KR" altLang="en-US" sz="1600"/>
+                <a:rPr lang="ko-KR" altLang="en-US"/>
                 <a:t>모든 메모리는 바이트 단위로 주소가 할당되어 있다.</a:t>
               </a:r>
-              <a:endParaRPr lang="ko-KR" altLang="en-US" sz="1600"/>
+              <a:endParaRPr lang="ko-KR" altLang="en-US"/>
             </a:p>
             <a:p>
               <a:pPr>
                 <a:defRPr/>
               </a:pPr>
               <a:r>
-                <a:rPr lang="ko-KR" altLang="en-US" sz="1600"/>
+                <a:rPr lang="ko-KR" altLang="en-US"/>
                 <a:t> 메모리상에서의 주소, 즉 위치를 표시하는 값을 번지(</a:t>
               </a:r>
-              <a:endParaRPr lang="ko-KR" altLang="en-US" sz="1600"/>
+              <a:endParaRPr lang="ko-KR" altLang="en-US"/>
             </a:p>
             <a:p>
               <a:pPr>
                 <a:defRPr/>
               </a:pPr>
               <a:r>
-                <a:rPr lang="ko-KR" altLang="en-US" sz="1600"/>
+                <a:rPr lang="ko-KR" altLang="en-US"/>
                 <a:t>address)라고 하는데</a:t>
               </a:r>
               <a:r>
-                <a:rPr lang="en-US" altLang="ko-KR" sz="1600"/>
+                <a:rPr lang="en-US" altLang="ko-KR"/>
                 <a:t>,</a:t>
               </a:r>
               <a:r>
-                <a:rPr lang="ko-KR" altLang="en-US" sz="1600"/>
+                <a:rPr lang="ko-KR" altLang="en-US"/>
                 <a:t> </a:t>
               </a:r>
               <a:r>
-                <a:rPr lang="ko-KR" altLang="en-US" sz="1700">
+                <a:rPr lang="ko-KR" altLang="en-US">
                   <a:solidFill>
                     <a:srgbClr val="eb5800"/>
                   </a:solidFill>
@@ -13425,11 +13558,11 @@
                 <a:t>포인터</a:t>
               </a:r>
               <a:r>
-                <a:rPr lang="ko-KR" altLang="en-US" sz="1600"/>
+                <a:rPr lang="ko-KR" altLang="en-US"/>
                 <a:t>는 이 </a:t>
               </a:r>
               <a:r>
-                <a:rPr lang="ko-KR" altLang="en-US" sz="1700">
+                <a:rPr lang="ko-KR" altLang="en-US">
                   <a:solidFill>
                     <a:srgbClr val="eb5800"/>
                   </a:solidFill>
@@ -13437,17 +13570,17 @@
                 <a:t>메모리의 번지</a:t>
               </a:r>
               <a:r>
-                <a:rPr lang="ko-KR" altLang="en-US" sz="1600"/>
+                <a:rPr lang="ko-KR" altLang="en-US"/>
                 <a:t>를 기억</a:t>
               </a:r>
-              <a:endParaRPr lang="ko-KR" altLang="en-US" sz="1600"/>
+              <a:endParaRPr lang="ko-KR" altLang="en-US"/>
             </a:p>
             <a:p>
               <a:pPr>
                 <a:defRPr/>
               </a:pPr>
               <a:r>
-                <a:rPr lang="ko-KR" altLang="en-US" sz="1600"/>
+                <a:rPr lang="ko-KR" altLang="en-US"/>
                 <a:t>하는 변수이다.</a:t>
               </a:r>
               <a:endParaRPr lang="ko-KR" altLang="en-US" sz="1600"/>
@@ -13483,7 +13616,7 @@
                 <a:t>-. </a:t>
               </a:r>
               <a:r>
-                <a:rPr kumimoji="0" lang="ko-KR" altLang="en-US" sz="1600" b="1" i="0" u="none" strike="noStrike" kern="1200" cap="none" spc="0" normalizeH="0" baseline="0">
+                <a:rPr kumimoji="0" lang="ko-KR" altLang="en-US" sz="1700" b="1" i="0" u="none" strike="noStrike" kern="1200" cap="none" spc="0" normalizeH="0" baseline="0">
                   <a:solidFill>
                     <a:srgbClr val="264c72"/>
                   </a:solidFill>
@@ -13713,7 +13846,7 @@
                 <a:t>-. </a:t>
               </a:r>
               <a:r>
-                <a:rPr lang="ko-KR" altLang="en-US" sz="1600" b="1">
+                <a:rPr lang="ko-KR" altLang="en-US" sz="1700" b="1">
                   <a:solidFill>
                     <a:srgbClr val="264c72"/>
                   </a:solidFill>
@@ -13723,7 +13856,7 @@
                 <a:t>포인터</a:t>
               </a:r>
               <a:r>
-                <a:rPr kumimoji="0" lang="ko-KR" altLang="en-US" sz="1600" b="1" i="0" u="none" strike="noStrike" kern="1200" cap="none" spc="0" normalizeH="0" baseline="0">
+                <a:rPr kumimoji="0" lang="ko-KR" altLang="en-US" sz="1700" b="1" i="0" u="none" strike="noStrike" kern="1200" cap="none" spc="0" normalizeH="0" baseline="0">
                   <a:solidFill>
                     <a:srgbClr val="264c72"/>
                   </a:solidFill>
@@ -13737,7 +13870,7 @@
                 <a:t> 이용</a:t>
               </a:r>
               <a:r>
-                <a:rPr kumimoji="0" lang="en-US" altLang="ko-KR" sz="1600" b="1" i="0" u="none" strike="noStrike" kern="1200" cap="none" spc="0" normalizeH="0" baseline="0">
+                <a:rPr kumimoji="0" lang="en-US" altLang="ko-KR" sz="1700" b="1" i="0" u="none" strike="noStrike" kern="1200" cap="none" spc="0" normalizeH="0" baseline="0">
                   <a:solidFill>
                     <a:srgbClr val="264c72"/>
                   </a:solidFill>
@@ -14187,28 +14320,26 @@
       </p:pic>
       <p:pic>
         <p:nvPicPr>
-          <p:cNvPr id="18" name="Picture 2" descr="c언어 변수.png에 대한 이미지 검색결과"/>
+          <p:cNvPr id="30" name=""/>
           <p:cNvPicPr>
-            <a:picLocks noChangeAspect="1" noChangeArrowheads="1"/>
+            <a:picLocks noChangeAspect="1"/>
           </p:cNvPicPr>
           <p:nvPr/>
         </p:nvPicPr>
         <p:blipFill rotWithShape="1">
           <a:blip r:embed="rId5"/>
-          <a:srcRect/>
           <a:stretch>
             <a:fillRect/>
           </a:stretch>
         </p:blipFill>
         <p:spPr>
           <a:xfrm>
-            <a:off x="6732240" y="885986"/>
-            <a:ext cx="1849215" cy="1849215"/>
+            <a:off x="7020272" y="836712"/>
+            <a:ext cx="1800200" cy="1800200"/>
           </a:xfrm>
           <a:prstGeom prst="rect">
             <a:avLst/>
           </a:prstGeom>
-          <a:noFill/>
         </p:spPr>
       </p:pic>
     </p:spTree>
@@ -14485,7 +14616,7 @@
         <p:spPr>
           <a:xfrm>
             <a:off x="290899" y="1298561"/>
-            <a:ext cx="8820472" cy="4955203"/>
+            <a:ext cx="8820472" cy="5271784"/>
           </a:xfrm>
           <a:prstGeom prst="rect">
             <a:avLst/>
@@ -14633,7 +14764,7 @@
             <a:r>
               <a:rPr kumimoji="0" lang="en-US" altLang="ko-KR" sz="1800" b="0" i="0" u="none" strike="noStrike" kern="1200" cap="none" spc="0" normalizeH="0" baseline="0">
                 <a:solidFill>
-                  <a:srgbClr val="264c72"/>
+                  <a:srgbClr val="000000"/>
                 </a:solidFill>
                 <a:effectLst/>
                 <a:uLnTx/>
@@ -14646,7 +14777,7 @@
             </a:r>
             <a:endParaRPr kumimoji="0" lang="en-US" altLang="ko-KR" sz="1800" b="0" i="0" u="none" strike="noStrike" kern="1200" cap="none" spc="0" normalizeH="0" baseline="0">
               <a:solidFill>
-                <a:srgbClr val="264c72"/>
+                <a:srgbClr val="000000"/>
               </a:solidFill>
               <a:effectLst/>
               <a:uLnTx/>
@@ -14675,7 +14806,7 @@
             <a:r>
               <a:rPr kumimoji="0" lang="en-US" altLang="ko-KR" sz="1800" b="0" i="0" u="none" strike="noStrike" kern="1200" cap="none" spc="0" normalizeH="0" baseline="0">
                 <a:solidFill>
-                  <a:srgbClr val="264c72"/>
+                  <a:srgbClr val="000000"/>
                 </a:solidFill>
                 <a:effectLst/>
                 <a:uLnTx/>
@@ -14688,7 +14819,7 @@
             </a:r>
             <a:endParaRPr kumimoji="0" lang="en-US" altLang="ko-KR" sz="1800" b="0" i="0" u="none" strike="noStrike" kern="1200" cap="none" spc="0" normalizeH="0" baseline="0">
               <a:solidFill>
-                <a:srgbClr val="264c72"/>
+                <a:srgbClr val="000000"/>
               </a:solidFill>
               <a:effectLst/>
               <a:uLnTx/>
@@ -14717,7 +14848,7 @@
             <a:r>
               <a:rPr kumimoji="0" lang="en-US" altLang="ko-KR" sz="1800" b="0" i="0" u="none" strike="noStrike" kern="1200" cap="none" spc="0" normalizeH="0" baseline="0">
                 <a:solidFill>
-                  <a:srgbClr val="264c72"/>
+                  <a:srgbClr val="000000"/>
                 </a:solidFill>
                 <a:effectLst/>
                 <a:uLnTx/>
@@ -14730,7 +14861,7 @@
             </a:r>
             <a:endParaRPr kumimoji="0" lang="en-US" altLang="ko-KR" sz="1800" b="0" i="0" u="none" strike="noStrike" kern="1200" cap="none" spc="0" normalizeH="0" baseline="0">
               <a:solidFill>
-                <a:srgbClr val="264c72"/>
+                <a:srgbClr val="000000"/>
               </a:solidFill>
               <a:effectLst/>
               <a:uLnTx/>
@@ -14759,7 +14890,7 @@
             <a:r>
               <a:rPr kumimoji="0" lang="en-US" altLang="ko-KR" sz="1800" b="0" i="0" u="none" strike="noStrike" kern="1200" cap="none" spc="0" normalizeH="0" baseline="0">
                 <a:solidFill>
-                  <a:srgbClr val="264c72"/>
+                  <a:srgbClr val="000000"/>
                 </a:solidFill>
                 <a:effectLst/>
                 <a:uLnTx/>
@@ -14772,7 +14903,7 @@
             </a:r>
             <a:endParaRPr kumimoji="0" lang="en-US" altLang="ko-KR" sz="1800" b="0" i="0" u="none" strike="noStrike" kern="1200" cap="none" spc="0" normalizeH="0" baseline="0">
               <a:solidFill>
-                <a:srgbClr val="264c72"/>
+                <a:srgbClr val="000000"/>
               </a:solidFill>
               <a:effectLst/>
               <a:uLnTx/>
@@ -14801,7 +14932,7 @@
             <a:r>
               <a:rPr kumimoji="0" lang="en-US" altLang="ko-KR" sz="1800" b="0" i="0" u="none" strike="noStrike" kern="1200" cap="none" spc="0" normalizeH="0" baseline="0">
                 <a:solidFill>
-                  <a:srgbClr val="264c72"/>
+                  <a:srgbClr val="000000"/>
                 </a:solidFill>
                 <a:effectLst/>
                 <a:uLnTx/>
@@ -14814,7 +14945,7 @@
             </a:r>
             <a:endParaRPr kumimoji="0" lang="en-US" altLang="ko-KR" sz="1800" b="0" i="0" u="none" strike="noStrike" kern="1200" cap="none" spc="0" normalizeH="0" baseline="0">
               <a:solidFill>
-                <a:srgbClr val="264c72"/>
+                <a:srgbClr val="000000"/>
               </a:solidFill>
               <a:effectLst/>
               <a:uLnTx/>
@@ -14843,7 +14974,7 @@
             <a:r>
               <a:rPr kumimoji="0" lang="en-US" altLang="ko-KR" sz="1800" b="0" i="0" u="none" strike="noStrike" kern="1200" cap="none" spc="0" normalizeH="0" baseline="0">
                 <a:solidFill>
-                  <a:srgbClr val="264c72"/>
+                  <a:srgbClr val="000000"/>
                 </a:solidFill>
                 <a:effectLst/>
                 <a:uLnTx/>
@@ -14856,7 +14987,7 @@
             </a:r>
             <a:endParaRPr kumimoji="0" lang="en-US" altLang="ko-KR" sz="1800" b="0" i="0" u="none" strike="noStrike" kern="1200" cap="none" spc="0" normalizeH="0" baseline="0">
               <a:solidFill>
-                <a:srgbClr val="264c72"/>
+                <a:srgbClr val="000000"/>
               </a:solidFill>
               <a:effectLst/>
               <a:uLnTx/>
@@ -14885,7 +15016,7 @@
             <a:r>
               <a:rPr kumimoji="0" lang="en-US" altLang="ko-KR" sz="1800" b="0" i="0" u="none" strike="noStrike" kern="1200" cap="none" spc="0" normalizeH="0" baseline="0">
                 <a:solidFill>
-                  <a:srgbClr val="264c72"/>
+                  <a:srgbClr val="000000"/>
                 </a:solidFill>
                 <a:effectLst/>
                 <a:uLnTx/>
@@ -14898,7 +15029,7 @@
             </a:r>
             <a:endParaRPr kumimoji="0" lang="en-US" altLang="ko-KR" sz="1800" b="0" i="0" u="none" strike="noStrike" kern="1200" cap="none" spc="0" normalizeH="0" baseline="0">
               <a:solidFill>
-                <a:srgbClr val="264c72"/>
+                <a:srgbClr val="000000"/>
               </a:solidFill>
               <a:effectLst/>
               <a:uLnTx/>
@@ -14927,7 +15058,7 @@
             <a:r>
               <a:rPr kumimoji="0" lang="en-US" altLang="ko-KR" sz="1800" b="0" i="0" u="none" strike="noStrike" kern="1200" cap="none" spc="0" normalizeH="0" baseline="0">
                 <a:solidFill>
-                  <a:srgbClr val="264c72"/>
+                  <a:srgbClr val="000000"/>
                 </a:solidFill>
                 <a:effectLst/>
                 <a:uLnTx/>
@@ -14940,7 +15071,7 @@
             </a:r>
             <a:endParaRPr kumimoji="0" lang="en-US" altLang="ko-KR" sz="1800" b="0" i="0" u="none" strike="noStrike" kern="1200" cap="none" spc="0" normalizeH="0" baseline="0">
               <a:solidFill>
-                <a:srgbClr val="264c72"/>
+                <a:srgbClr val="000000"/>
               </a:solidFill>
               <a:effectLst/>
               <a:uLnTx/>
@@ -14969,7 +15100,7 @@
             <a:r>
               <a:rPr kumimoji="0" lang="en-US" altLang="ko-KR" sz="1800" b="0" i="0" u="none" strike="noStrike" kern="1200" cap="none" spc="0" normalizeH="0" baseline="0">
                 <a:solidFill>
-                  <a:srgbClr val="264c72"/>
+                  <a:srgbClr val="000000"/>
                 </a:solidFill>
                 <a:effectLst/>
                 <a:uLnTx/>
@@ -14982,7 +15113,7 @@
             </a:r>
             <a:endParaRPr kumimoji="0" lang="en-US" altLang="ko-KR" sz="1800" b="0" i="0" u="none" strike="noStrike" kern="1200" cap="none" spc="0" normalizeH="0" baseline="0">
               <a:solidFill>
-                <a:srgbClr val="264c72"/>
+                <a:srgbClr val="000000"/>
               </a:solidFill>
               <a:effectLst/>
               <a:uLnTx/>
@@ -15011,7 +15142,7 @@
             <a:r>
               <a:rPr kumimoji="0" lang="en-US" altLang="ko-KR" sz="1800" b="0" i="0" u="none" strike="noStrike" kern="1200" cap="none" spc="0" normalizeH="0" baseline="0">
                 <a:solidFill>
-                  <a:srgbClr val="264c72"/>
+                  <a:srgbClr val="000000"/>
                 </a:solidFill>
                 <a:effectLst/>
                 <a:uLnTx/>
@@ -15024,7 +15155,7 @@
             </a:r>
             <a:endParaRPr kumimoji="0" lang="en-US" altLang="ko-KR" sz="1800" b="0" i="0" u="none" strike="noStrike" kern="1200" cap="none" spc="0" normalizeH="0" baseline="0">
               <a:solidFill>
-                <a:srgbClr val="264c72"/>
+                <a:srgbClr val="000000"/>
               </a:solidFill>
               <a:effectLst/>
               <a:uLnTx/>
@@ -15053,7 +15184,7 @@
             <a:r>
               <a:rPr kumimoji="0" lang="en-US" altLang="ko-KR" sz="1800" b="0" i="0" u="none" strike="noStrike" kern="1200" cap="none" spc="0" normalizeH="0" baseline="0">
                 <a:solidFill>
-                  <a:srgbClr val="264c72"/>
+                  <a:srgbClr val="000000"/>
                 </a:solidFill>
                 <a:effectLst/>
                 <a:uLnTx/>
@@ -15104,7 +15235,21 @@
                 <a:ea typeface="한컴 윤고딕 230"/>
                 <a:cs typeface="+mn-cs"/>
               </a:rPr>
-              <a:t>    printf("%s, %d, %f\n", mem.name, mem.age, mem.Height);</a:t>
+              <a:t>    </a:t>
+            </a:r>
+            <a:r>
+              <a:rPr kumimoji="0" lang="en-US" altLang="ko-KR" sz="2000" b="1" i="0" u="none" strike="noStrike" kern="1200" cap="none" spc="0" normalizeH="0" baseline="0">
+                <a:solidFill>
+                  <a:srgbClr val="ff9900"/>
+                </a:solidFill>
+                <a:effectLst/>
+                <a:uLnTx/>
+                <a:uFillTx/>
+                <a:latin typeface="Arial"/>
+                <a:ea typeface="한컴 윤고딕 230"/>
+                <a:cs typeface="+mn-cs"/>
+              </a:rPr>
+              <a:t>printf("%s, %d, %f\n", mem.name, mem.age, mem.Height);</a:t>
             </a:r>
             <a:endParaRPr kumimoji="0" lang="en-US" altLang="ko-KR" sz="1800" b="0" i="0" u="none" strike="noStrike" kern="1200" cap="none" spc="0" normalizeH="0" baseline="0">
               <a:solidFill>
@@ -15146,7 +15291,21 @@
                 <a:ea typeface="한컴 윤고딕 230"/>
                 <a:cs typeface="+mn-cs"/>
               </a:rPr>
-              <a:t>    strcpy(mem.name, "Mr. Edward Johnson");</a:t>
+              <a:t>    </a:t>
+            </a:r>
+            <a:r>
+              <a:rPr kumimoji="0" lang="en-US" altLang="ko-KR" sz="1800" b="0" i="0" u="none" strike="noStrike" kern="1200" cap="none" spc="0" normalizeH="0" baseline="0">
+                <a:solidFill>
+                  <a:srgbClr val="000000"/>
+                </a:solidFill>
+                <a:effectLst/>
+                <a:uLnTx/>
+                <a:uFillTx/>
+                <a:latin typeface="Arial"/>
+                <a:ea typeface="한컴 윤고딕 230"/>
+                <a:cs typeface="+mn-cs"/>
+              </a:rPr>
+              <a:t>strcpy(mem.name, "Mr. Edward Johnson");</a:t>
             </a:r>
             <a:endParaRPr kumimoji="0" lang="en-US" altLang="ko-KR" sz="1800" b="0" i="0" u="none" strike="noStrike" kern="1200" cap="none" spc="0" normalizeH="0" baseline="0">
               <a:solidFill>
@@ -15188,11 +15347,25 @@
                 <a:ea typeface="한컴 윤고딕 230"/>
                 <a:cs typeface="+mn-cs"/>
               </a:rPr>
-              <a:t>    printf("%s, %d, %f\n", mem.name, mem.age, mem.Height, sizeof(Member));</a:t>
-            </a:r>
-            <a:endParaRPr kumimoji="0" lang="en-US" altLang="ko-KR" sz="1800" b="0" i="0" u="none" strike="noStrike" kern="1200" cap="none" spc="0" normalizeH="0" baseline="0">
+              <a:t>    </a:t>
+            </a:r>
+            <a:r>
+              <a:rPr kumimoji="0" lang="en-US" altLang="ko-KR" sz="2000" b="1" i="0" u="none" strike="noStrike" kern="1200" cap="none" spc="0" normalizeH="0" baseline="0">
+                <a:solidFill>
+                  <a:srgbClr val="ff9900"/>
+                </a:solidFill>
+                <a:effectLst/>
+                <a:uLnTx/>
+                <a:uFillTx/>
+                <a:latin typeface="Arial"/>
+                <a:ea typeface="한컴 윤고딕 230"/>
+                <a:cs typeface="+mn-cs"/>
+              </a:rPr>
+              <a:t>printf("%s, %d, %f\n", mem.name, mem.age, mem.Height</a:t>
+            </a:r>
+            <a:endParaRPr kumimoji="0" lang="en-US" altLang="ko-KR" sz="2000" b="1" i="0" u="none" strike="noStrike" kern="1200" cap="none" spc="0" normalizeH="0" baseline="0">
               <a:solidFill>
-                <a:srgbClr val="264c72"/>
+                <a:srgbClr val="ff9900"/>
               </a:solidFill>
               <a:effectLst/>
               <a:uLnTx/>
@@ -15219,9 +15392,9 @@
               <a:defRPr/>
             </a:pPr>
             <a:r>
-              <a:rPr kumimoji="0" lang="en-US" altLang="ko-KR" sz="1800" b="0" i="0" u="none" strike="noStrike" kern="1200" cap="none" spc="0" normalizeH="0" baseline="0">
-                <a:solidFill>
-                  <a:srgbClr val="264c72"/>
+              <a:rPr kumimoji="0" lang="ko-KR" altLang="en-US" sz="2000" b="1" i="0" u="none" strike="noStrike" kern="1200" cap="none" spc="0" normalizeH="0" baseline="0">
+                <a:solidFill>
+                  <a:srgbClr val="ff9900"/>
                 </a:solidFill>
                 <a:effectLst/>
                 <a:uLnTx/>
@@ -15230,9 +15403,23 @@
                 <a:ea typeface="한컴 윤고딕 230"/>
                 <a:cs typeface="+mn-cs"/>
               </a:rPr>
-              <a:t>    return 0;</a:t>
-            </a:r>
-            <a:endParaRPr kumimoji="0" lang="en-US" altLang="ko-KR" sz="1800" b="0" i="0" u="none" strike="noStrike" kern="1200" cap="none" spc="0" normalizeH="0" baseline="0">
+              <a:t>			</a:t>
+            </a:r>
+            <a:r>
+              <a:rPr kumimoji="0" lang="en-US" altLang="ko-KR" sz="2000" b="1" i="0" u="none" strike="noStrike" kern="1200" cap="none" spc="0" normalizeH="0" baseline="0">
+                <a:solidFill>
+                  <a:srgbClr val="ff9900"/>
+                </a:solidFill>
+                <a:effectLst/>
+                <a:uLnTx/>
+                <a:uFillTx/>
+                <a:latin typeface="Arial"/>
+                <a:ea typeface="한컴 윤고딕 230"/>
+                <a:cs typeface="+mn-cs"/>
+              </a:rPr>
+              <a:t>, sizeof(Member));</a:t>
+            </a:r>
+            <a:endParaRPr kumimoji="0" lang="en-US" altLang="ko-KR" sz="2000" b="0" i="0" u="none" strike="noStrike" kern="1200" cap="none" spc="0" normalizeH="0" baseline="0">
               <a:solidFill>
                 <a:srgbClr val="264c72"/>
               </a:solidFill>
@@ -15272,11 +15459,67 @@
                 <a:ea typeface="한컴 윤고딕 230"/>
                 <a:cs typeface="+mn-cs"/>
               </a:rPr>
+              <a:t>    </a:t>
+            </a:r>
+            <a:r>
+              <a:rPr kumimoji="0" lang="en-US" altLang="ko-KR" sz="1800" b="0" i="0" u="none" strike="noStrike" kern="1200" cap="none" spc="0" normalizeH="0" baseline="0">
+                <a:solidFill>
+                  <a:srgbClr val="000000"/>
+                </a:solidFill>
+                <a:effectLst/>
+                <a:uLnTx/>
+                <a:uFillTx/>
+                <a:latin typeface="Arial"/>
+                <a:ea typeface="한컴 윤고딕 230"/>
+                <a:cs typeface="+mn-cs"/>
+              </a:rPr>
+              <a:t>return 0;</a:t>
+            </a:r>
+            <a:endParaRPr kumimoji="0" lang="en-US" altLang="ko-KR" sz="1800" b="0" i="0" u="none" strike="noStrike" kern="1200" cap="none" spc="0" normalizeH="0" baseline="0">
+              <a:solidFill>
+                <a:srgbClr val="000000"/>
+              </a:solidFill>
+              <a:effectLst/>
+              <a:uLnTx/>
+              <a:uFillTx/>
+              <a:latin typeface="Arial"/>
+              <a:ea typeface="한컴 윤고딕 230"/>
+              <a:cs typeface="+mn-cs"/>
+            </a:endParaRPr>
+          </a:p>
+          <a:p>
+            <a:pPr marL="0" marR="0" lvl="0" indent="0" algn="l" defTabSz="914400" rtl="0" eaLnBrk="1" latinLnBrk="1" hangingPunct="1">
+              <a:lnSpc>
+                <a:spcPct val="100000"/>
+              </a:lnSpc>
+              <a:spcBef>
+                <a:spcPts val="0"/>
+              </a:spcBef>
+              <a:spcAft>
+                <a:spcPts val="0"/>
+              </a:spcAft>
+              <a:buClrTx/>
+              <a:buFontTx/>
+              <a:buNone/>
+              <a:defRPr/>
+            </a:pPr>
+            <a:r>
+              <a:rPr kumimoji="0" lang="en-US" altLang="ko-KR" sz="1800" b="0" i="0" u="none" strike="noStrike" kern="1200" cap="none" spc="0" normalizeH="0" baseline="0">
+                <a:solidFill>
+                  <a:srgbClr val="000000"/>
+                </a:solidFill>
+                <a:effectLst/>
+                <a:uLnTx/>
+                <a:uFillTx/>
+                <a:latin typeface="Arial"/>
+                <a:ea typeface="한컴 윤고딕 230"/>
+                <a:cs typeface="+mn-cs"/>
+              </a:rPr>
               <a:t>}</a:t>
             </a:r>
             <a:endParaRPr kumimoji="0" lang="ko-KR" altLang="en-US" sz="1800" b="0" i="0" u="none" strike="noStrike" kern="1200" cap="none" spc="0" normalizeH="0" baseline="0">
               <a:solidFill>
-                <a:srgbClr val="264c72"/>
+                <a:srgbClr val="000000"/>
               </a:solidFill>
               <a:effectLst/>
               <a:uLnTx/>
@@ -15296,7 +15539,7 @@
         </p:nvSpPr>
         <p:spPr>
           <a:xfrm>
-            <a:off x="6660232" y="4725144"/>
+            <a:off x="7668344" y="4725144"/>
             <a:ext cx="648072" cy="360040"/>
           </a:xfrm>
           <a:prstGeom prst="rect">
@@ -15380,7 +15623,7 @@
         </p:nvSpPr>
         <p:spPr>
           <a:xfrm>
-            <a:off x="8388424" y="5320682"/>
+            <a:off x="5652120" y="5661248"/>
             <a:ext cx="576064" cy="360040"/>
           </a:xfrm>
           <a:prstGeom prst="rect">
@@ -15456,32 +15699,6 @@
           </a:p>
         </p:txBody>
       </p:sp>
-      <p:pic>
-        <p:nvPicPr>
-          <p:cNvPr id="12" name="Picture 2" descr="c언어 변수.png에 대한 이미지 검색결과"/>
-          <p:cNvPicPr>
-            <a:picLocks noChangeAspect="1" noChangeArrowheads="1"/>
-          </p:cNvPicPr>
-          <p:nvPr/>
-        </p:nvPicPr>
-        <p:blipFill rotWithShape="1">
-          <a:blip r:embed="rId4"/>
-          <a:srcRect/>
-          <a:stretch>
-            <a:fillRect/>
-          </a:stretch>
-        </p:blipFill>
-        <p:spPr>
-          <a:xfrm>
-            <a:off x="6732240" y="885986"/>
-            <a:ext cx="1849215" cy="1849215"/>
-          </a:xfrm>
-          <a:prstGeom prst="rect">
-            <a:avLst/>
-          </a:prstGeom>
-          <a:noFill/>
-        </p:spPr>
-      </p:pic>
       <p:sp>
         <p:nvSpPr>
           <p:cNvPr id="13" name="슬라이드 번호 개체 틀 1"/>
@@ -15528,6 +15745,30 @@
           </a:p>
         </p:txBody>
       </p:sp>
+      <p:pic>
+        <p:nvPicPr>
+          <p:cNvPr id="153" name=""/>
+          <p:cNvPicPr>
+            <a:picLocks noChangeAspect="1"/>
+          </p:cNvPicPr>
+          <p:nvPr/>
+        </p:nvPicPr>
+        <p:blipFill rotWithShape="1">
+          <a:blip r:embed="rId4"/>
+          <a:stretch>
+            <a:fillRect/>
+          </a:stretch>
+        </p:blipFill>
+        <p:spPr>
+          <a:xfrm>
+            <a:off x="7020272" y="620688"/>
+            <a:ext cx="1800200" cy="1800200"/>
+          </a:xfrm>
+          <a:prstGeom prst="rect">
+            <a:avLst/>
+          </a:prstGeom>
+        </p:spPr>
+      </p:pic>
     </p:spTree>
   </p:cSld>
   <p:clrMapOvr>
@@ -15821,7 +16062,7 @@
         <p:spPr>
           <a:xfrm>
             <a:off x="323528" y="751451"/>
-            <a:ext cx="8820472" cy="5447419"/>
+            <a:ext cx="8820472" cy="5542669"/>
           </a:xfrm>
           <a:prstGeom prst="rect">
             <a:avLst/>
@@ -15863,7 +16104,7 @@
               <a:t> </a:t>
             </a:r>
             <a:r>
-              <a:rPr lang="ko-KR" altLang="en-US"/>
+              <a:rPr lang="ko-KR" altLang="en-US" sz="2000"/>
               <a:t>다음의 출력 결과를 예측해 보세요</a:t>
             </a:r>
             <a:endParaRPr lang="ko-KR" altLang="en-US"/>
@@ -15879,107 +16120,191 @@
               <a:defRPr/>
             </a:pPr>
             <a:r>
-              <a:rPr lang="en-US" altLang="ko-KR"/>
+              <a:rPr lang="en-US" altLang="ko-KR">
+                <a:solidFill>
+                  <a:srgbClr val="000000"/>
+                </a:solidFill>
+              </a:rPr>
               <a:t>#include &lt;stdio.h&gt;</a:t>
             </a:r>
-            <a:endParaRPr lang="en-US" altLang="ko-KR"/>
+            <a:endParaRPr lang="en-US" altLang="ko-KR">
+              <a:solidFill>
+                <a:srgbClr val="000000"/>
+              </a:solidFill>
+            </a:endParaRPr>
           </a:p>
           <a:p>
             <a:pPr>
               <a:defRPr/>
             </a:pPr>
             <a:r>
-              <a:rPr lang="en-US" altLang="ko-KR"/>
+              <a:rPr lang="en-US" altLang="ko-KR">
+                <a:solidFill>
+                  <a:srgbClr val="000000"/>
+                </a:solidFill>
+              </a:rPr>
               <a:t>#include &lt;string.h&gt;</a:t>
             </a:r>
-            <a:endParaRPr lang="en-US" altLang="ko-KR"/>
+            <a:endParaRPr lang="en-US" altLang="ko-KR">
+              <a:solidFill>
+                <a:srgbClr val="000000"/>
+              </a:solidFill>
+            </a:endParaRPr>
           </a:p>
           <a:p>
             <a:pPr>
               <a:defRPr/>
             </a:pPr>
             <a:r>
-              <a:rPr lang="en-US" altLang="ko-KR"/>
+              <a:rPr lang="en-US" altLang="ko-KR">
+                <a:solidFill>
+                  <a:srgbClr val="000000"/>
+                </a:solidFill>
+              </a:rPr>
               <a:t>typedef unsigned char byte;</a:t>
             </a:r>
-            <a:endParaRPr lang="en-US" altLang="ko-KR"/>
+            <a:endParaRPr lang="en-US" altLang="ko-KR">
+              <a:solidFill>
+                <a:srgbClr val="000000"/>
+              </a:solidFill>
+            </a:endParaRPr>
           </a:p>
           <a:p>
             <a:pPr>
               <a:defRPr/>
             </a:pPr>
             <a:r>
-              <a:rPr lang="en-US" altLang="ko-KR"/>
+              <a:rPr lang="en-US" altLang="ko-KR">
+                <a:solidFill>
+                  <a:srgbClr val="000000"/>
+                </a:solidFill>
+              </a:rPr>
               <a:t>typedef struct {</a:t>
             </a:r>
-            <a:endParaRPr lang="en-US" altLang="ko-KR"/>
+            <a:endParaRPr lang="en-US" altLang="ko-KR">
+              <a:solidFill>
+                <a:srgbClr val="000000"/>
+              </a:solidFill>
+            </a:endParaRPr>
           </a:p>
           <a:p>
             <a:pPr>
               <a:defRPr/>
             </a:pPr>
             <a:r>
-              <a:rPr lang="en-US" altLang="ko-KR"/>
+              <a:rPr lang="en-US" altLang="ko-KR">
+                <a:solidFill>
+                  <a:srgbClr val="000000"/>
+                </a:solidFill>
+              </a:rPr>
               <a:t>    char name[16];</a:t>
             </a:r>
-            <a:endParaRPr lang="en-US" altLang="ko-KR"/>
+            <a:endParaRPr lang="en-US" altLang="ko-KR">
+              <a:solidFill>
+                <a:srgbClr val="000000"/>
+              </a:solidFill>
+            </a:endParaRPr>
           </a:p>
           <a:p>
             <a:pPr>
               <a:defRPr/>
             </a:pPr>
             <a:r>
-              <a:rPr lang="en-US" altLang="ko-KR"/>
+              <a:rPr lang="en-US" altLang="ko-KR">
+                <a:solidFill>
+                  <a:srgbClr val="000000"/>
+                </a:solidFill>
+              </a:rPr>
               <a:t>    byte    age;</a:t>
             </a:r>
-            <a:endParaRPr lang="en-US" altLang="ko-KR"/>
+            <a:endParaRPr lang="en-US" altLang="ko-KR">
+              <a:solidFill>
+                <a:srgbClr val="000000"/>
+              </a:solidFill>
+            </a:endParaRPr>
           </a:p>
           <a:p>
             <a:pPr>
               <a:defRPr/>
             </a:pPr>
             <a:r>
-              <a:rPr lang="en-US" altLang="ko-KR"/>
+              <a:rPr lang="en-US" altLang="ko-KR">
+                <a:solidFill>
+                  <a:srgbClr val="000000"/>
+                </a:solidFill>
+              </a:rPr>
               <a:t>    float Height;</a:t>
             </a:r>
-            <a:endParaRPr lang="en-US" altLang="ko-KR"/>
+            <a:endParaRPr lang="en-US" altLang="ko-KR">
+              <a:solidFill>
+                <a:srgbClr val="000000"/>
+              </a:solidFill>
+            </a:endParaRPr>
           </a:p>
           <a:p>
             <a:pPr>
               <a:defRPr/>
             </a:pPr>
             <a:r>
-              <a:rPr lang="en-US" altLang="ko-KR"/>
+              <a:rPr lang="en-US" altLang="ko-KR">
+                <a:solidFill>
+                  <a:srgbClr val="000000"/>
+                </a:solidFill>
+              </a:rPr>
               <a:t>} Member;</a:t>
             </a:r>
-            <a:endParaRPr lang="en-US" altLang="ko-KR"/>
+            <a:endParaRPr lang="en-US" altLang="ko-KR">
+              <a:solidFill>
+                <a:srgbClr val="000000"/>
+              </a:solidFill>
+            </a:endParaRPr>
           </a:p>
           <a:p>
             <a:pPr>
               <a:defRPr/>
             </a:pPr>
             <a:r>
-              <a:rPr lang="en-US" altLang="ko-KR"/>
+              <a:rPr lang="en-US" altLang="ko-KR">
+                <a:solidFill>
+                  <a:srgbClr val="000000"/>
+                </a:solidFill>
+              </a:rPr>
               <a:t>int main() {</a:t>
             </a:r>
-            <a:endParaRPr lang="en-US" altLang="ko-KR"/>
+            <a:endParaRPr lang="en-US" altLang="ko-KR">
+              <a:solidFill>
+                <a:srgbClr val="000000"/>
+              </a:solidFill>
+            </a:endParaRPr>
           </a:p>
           <a:p>
             <a:pPr>
               <a:defRPr/>
             </a:pPr>
             <a:r>
-              <a:rPr lang="en-US" altLang="ko-KR"/>
+              <a:rPr lang="en-US" altLang="ko-KR">
+                <a:solidFill>
+                  <a:srgbClr val="000000"/>
+                </a:solidFill>
+              </a:rPr>
               <a:t>    Member mem;</a:t>
             </a:r>
-            <a:endParaRPr lang="en-US" altLang="ko-KR"/>
+            <a:endParaRPr lang="en-US" altLang="ko-KR">
+              <a:solidFill>
+                <a:srgbClr val="000000"/>
+              </a:solidFill>
+            </a:endParaRPr>
           </a:p>
           <a:p>
             <a:pPr>
               <a:defRPr/>
             </a:pPr>
             <a:r>
-              <a:rPr lang="en-US" altLang="ko-KR"/>
+              <a:rPr lang="en-US" altLang="ko-KR">
+                <a:solidFill>
+                  <a:srgbClr val="000000"/>
+                </a:solidFill>
+              </a:rPr>
               <a:t>    Member  *pmem = &amp;mem;</a:t>
             </a:r>
             <a:endParaRPr lang="en-US" altLang="ko-KR"/>
@@ -15990,43 +16315,83 @@
             </a:pPr>
             <a:r>
               <a:rPr lang="en-US" altLang="ko-KR"/>
-              <a:t>    printf(“size</a:t>
-            </a:r>
-            <a:r>
-              <a:rPr lang="ko-KR" altLang="en-US"/>
+              <a:t>    </a:t>
+            </a:r>
+            <a:r>
+              <a:rPr lang="en-US" altLang="ko-KR" sz="2000" b="1">
+                <a:solidFill>
+                  <a:srgbClr val="ff9900"/>
+                </a:solidFill>
+              </a:rPr>
+              <a:t>printf(“size</a:t>
+            </a:r>
+            <a:r>
+              <a:rPr lang="ko-KR" altLang="en-US" sz="2000" b="1">
+                <a:solidFill>
+                  <a:srgbClr val="ff9900"/>
+                </a:solidFill>
+              </a:rPr>
               <a:t> </a:t>
             </a:r>
             <a:r>
-              <a:rPr lang="en-US" altLang="ko-KR"/>
+              <a:rPr lang="en-US" altLang="ko-KR" sz="2000" b="1">
+                <a:solidFill>
+                  <a:srgbClr val="ff9900"/>
+                </a:solidFill>
+              </a:rPr>
               <a:t>of Member is %ld\n”, </a:t>
             </a:r>
             <a:r>
-              <a:rPr lang="en-US" altLang="ko-KR" i="1"/>
+              <a:rPr lang="en-US" altLang="ko-KR" sz="2000" b="1" i="1">
+                <a:solidFill>
+                  <a:srgbClr val="ff9900"/>
+                </a:solidFill>
+              </a:rPr>
               <a:t>sizeof(Member)</a:t>
             </a:r>
             <a:r>
-              <a:rPr lang="en-US" altLang="ko-KR"/>
+              <a:rPr lang="en-US" altLang="ko-KR" sz="2000" b="1">
+                <a:solidFill>
+                  <a:srgbClr val="ff9900"/>
+                </a:solidFill>
+              </a:rPr>
               <a:t>);</a:t>
             </a:r>
-            <a:endParaRPr lang="en-US" altLang="ko-KR"/>
+            <a:endParaRPr lang="en-US" altLang="ko-KR" sz="2000" b="1">
+              <a:solidFill>
+                <a:srgbClr val="ff9900"/>
+              </a:solidFill>
+            </a:endParaRPr>
           </a:p>
           <a:p>
             <a:pPr>
               <a:defRPr/>
             </a:pPr>
             <a:r>
-              <a:rPr lang="en-US" altLang="ko-KR"/>
+              <a:rPr lang="en-US" altLang="ko-KR" sz="2000" b="1">
+                <a:solidFill>
+                  <a:srgbClr val="ff9900"/>
+                </a:solidFill>
+              </a:rPr>
               <a:t>    printf("%p, %p, %p\n", pmem-&gt;name, &amp;pmem-&gt;age, </a:t>
             </a:r>
             <a:r>
-              <a:rPr lang="en-US" altLang="ko-KR" b="1" i="1"/>
+              <a:rPr lang="en-US" altLang="ko-KR" sz="2000" b="1" i="1">
+                <a:solidFill>
+                  <a:srgbClr val="ff9900"/>
+                </a:solidFill>
+              </a:rPr>
               <a:t>&amp;pmem-&gt;Height</a:t>
             </a:r>
             <a:r>
-              <a:rPr lang="en-US" altLang="ko-KR"/>
+              <a:rPr lang="en-US" altLang="ko-KR" sz="2000" b="1">
+                <a:solidFill>
+                  <a:srgbClr val="ff9900"/>
+                </a:solidFill>
+              </a:rPr>
               <a:t>);</a:t>
             </a:r>
-            <a:endParaRPr lang="en-US" altLang="ko-KR"/>
+            <a:endParaRPr lang="en-US" altLang="ko-KR" sz="2000"/>
           </a:p>
           <a:p>
             <a:pPr>
@@ -16034,16 +16399,32 @@
             </a:pPr>
             <a:r>
               <a:rPr lang="en-US" altLang="ko-KR"/>
-              <a:t>    pmem-&gt;age = 18; pmem-&gt;Height = 175.0;</a:t>
-            </a:r>
-            <a:endParaRPr lang="en-US" altLang="ko-KR"/>
+              <a:t>    </a:t>
+            </a:r>
+            <a:r>
+              <a:rPr lang="en-US" altLang="ko-KR">
+                <a:solidFill>
+                  <a:srgbClr val="000000"/>
+                </a:solidFill>
+              </a:rPr>
+              <a:t>pmem-&gt;age = 18; pmem-&gt;Height = 175.0;</a:t>
+            </a:r>
+            <a:endParaRPr lang="en-US" altLang="ko-KR">
+              <a:solidFill>
+                <a:srgbClr val="000000"/>
+              </a:solidFill>
+            </a:endParaRPr>
           </a:p>
           <a:p>
             <a:pPr>
               <a:defRPr/>
             </a:pPr>
             <a:r>
-              <a:rPr lang="en-US" altLang="ko-KR"/>
+              <a:rPr lang="en-US" altLang="ko-KR">
+                <a:solidFill>
+                  <a:srgbClr val="000000"/>
+                </a:solidFill>
+              </a:rPr>
               <a:t>    strcpy(pmem-&gt;name, "Mr. Edward Johnson");</a:t>
             </a:r>
             <a:endParaRPr lang="en-US" altLang="ko-KR"/>
@@ -16054,17 +16435,25 @@
             </a:pPr>
             <a:r>
               <a:rPr lang="en-US" altLang="ko-KR"/>
-              <a:t>    printf(“%s, %d, %f\n”, pmem-&gt;name, </a:t>
-            </a:r>
-            <a:r>
-              <a:rPr lang="en-US" altLang="ko-KR" b="1" i="1"/>
+              <a:t>   </a:t>
+            </a:r>
+            <a:r>
+              <a:rPr lang="en-US" altLang="ko-KR" b="1"/>
+              <a:t> </a:t>
+            </a:r>
+            <a:r>
+              <a:rPr lang="en-US" altLang="ko-KR" sz="2000" b="1"/>
+              <a:t>printf(“%s, %d, %f\n”, pmem-&gt;name, </a:t>
+            </a:r>
+            <a:r>
+              <a:rPr lang="en-US" altLang="ko-KR" sz="2000" b="1" i="1"/>
               <a:t>pmem-&gt;age</a:t>
             </a:r>
             <a:r>
-              <a:rPr lang="en-US" altLang="ko-KR"/>
+              <a:rPr lang="en-US" altLang="ko-KR" sz="2000" b="1"/>
               <a:t>, pmem-&gt;Height);</a:t>
             </a:r>
-            <a:endParaRPr lang="en-US" altLang="ko-KR"/>
+            <a:endParaRPr lang="en-US" altLang="ko-KR" sz="2000"/>
           </a:p>
           <a:p>
             <a:pPr>
@@ -16072,7 +16461,15 @@
             </a:pPr>
             <a:r>
               <a:rPr lang="en-US" altLang="ko-KR"/>
-              <a:t>    return 0;</a:t>
+              <a:t>    </a:t>
+            </a:r>
+            <a:r>
+              <a:rPr lang="en-US" altLang="ko-KR">
+                <a:solidFill>
+                  <a:srgbClr val="000000"/>
+                </a:solidFill>
+              </a:rPr>
+              <a:t>return 0;</a:t>
             </a:r>
             <a:endParaRPr lang="en-US" altLang="ko-KR"/>
           </a:p>
@@ -16096,7 +16493,7 @@
         </p:nvSpPr>
         <p:spPr>
           <a:xfrm>
-            <a:off x="5724128" y="4221088"/>
+            <a:off x="6732240" y="4221088"/>
             <a:ext cx="576064" cy="360040"/>
           </a:xfrm>
           <a:prstGeom prst="rect">
@@ -16156,7 +16553,7 @@
         </p:nvSpPr>
         <p:spPr>
           <a:xfrm>
-            <a:off x="7884368" y="4401108"/>
+            <a:off x="8244408" y="4221088"/>
             <a:ext cx="648072" cy="360040"/>
           </a:xfrm>
           <a:prstGeom prst="rect">
@@ -16208,7 +16605,7 @@
         </p:nvSpPr>
         <p:spPr>
           <a:xfrm>
-            <a:off x="7452320" y="5320682"/>
+            <a:off x="7812360" y="5085184"/>
             <a:ext cx="576064" cy="360040"/>
           </a:xfrm>
           <a:prstGeom prst="rect">
@@ -16260,32 +16657,6 @@
           </a:p>
         </p:txBody>
       </p:sp>
-      <p:pic>
-        <p:nvPicPr>
-          <p:cNvPr id="12" name="Picture 2" descr="c언어 변수.png에 대한 이미지 검색결과"/>
-          <p:cNvPicPr>
-            <a:picLocks noChangeAspect="1" noChangeArrowheads="1"/>
-          </p:cNvPicPr>
-          <p:nvPr/>
-        </p:nvPicPr>
-        <p:blipFill rotWithShape="1">
-          <a:blip r:embed="rId4"/>
-          <a:srcRect/>
-          <a:stretch>
-            <a:fillRect/>
-          </a:stretch>
-        </p:blipFill>
-        <p:spPr>
-          <a:xfrm>
-            <a:off x="6732240" y="885986"/>
-            <a:ext cx="1849215" cy="1849215"/>
-          </a:xfrm>
-          <a:prstGeom prst="rect">
-            <a:avLst/>
-          </a:prstGeom>
-          <a:noFill/>
-        </p:spPr>
-      </p:pic>
       <p:sp>
         <p:nvSpPr>
           <p:cNvPr id="13" name="슬라이드 번호 개체 틀 1"/>
@@ -16332,6 +16703,30 @@
           </a:p>
         </p:txBody>
       </p:sp>
+      <p:pic>
+        <p:nvPicPr>
+          <p:cNvPr id="153" name=""/>
+          <p:cNvPicPr>
+            <a:picLocks noChangeAspect="1"/>
+          </p:cNvPicPr>
+          <p:nvPr/>
+        </p:nvPicPr>
+        <p:blipFill rotWithShape="1">
+          <a:blip r:embed="rId4"/>
+          <a:stretch>
+            <a:fillRect/>
+          </a:stretch>
+        </p:blipFill>
+        <p:spPr>
+          <a:xfrm>
+            <a:off x="7020272" y="620688"/>
+            <a:ext cx="1800200" cy="1800200"/>
+          </a:xfrm>
+          <a:prstGeom prst="rect">
+            <a:avLst/>
+          </a:prstGeom>
+        </p:spPr>
+      </p:pic>
     </p:spTree>
   </p:cSld>
   <p:clrMapOvr>
@@ -16611,7 +17006,7 @@
                   <a:schemeClr val="bg1"/>
                 </a:solidFill>
               </a:rPr>
-              <a:t>다음 시간에는</a:t>
+              <a:t>다음 시간</a:t>
             </a:r>
             <a:r>
               <a:rPr xmlns:mc="http://schemas.openxmlformats.org/markup-compatibility/2006" xmlns:hp="http://schemas.haansoft.com/office/presentation/8.0" lang="en-US" altLang="ko-KR" sz="3200" b="1" kern="0" spc="-150" mc:Ignorable="hp" hp:hslEmbossed="0">
@@ -16717,8 +17112,8 @@
         </p:nvSpPr>
         <p:spPr>
           <a:xfrm>
-            <a:off x="323528" y="2436208"/>
-            <a:ext cx="8695912" cy="2552987"/>
+            <a:off x="224044" y="2996952"/>
+            <a:ext cx="8695912" cy="3011418"/>
           </a:xfrm>
           <a:prstGeom prst="rect">
             <a:avLst/>
@@ -16740,23 +17135,23 @@
               <a:defRPr/>
             </a:pPr>
             <a:r>
-              <a:rPr lang="en-US" altLang="ko-KR" sz="2000"/>
+              <a:rPr lang="en-US" altLang="ko-KR" sz="2400"/>
               <a:t>1. </a:t>
             </a:r>
             <a:r>
-              <a:rPr lang="ko-KR" altLang="en-US" sz="2000"/>
+              <a:rPr lang="ko-KR" altLang="en-US" sz="2400"/>
               <a:t>다음 수업 </a:t>
             </a:r>
             <a:r>
-              <a:rPr lang="en-US" altLang="ko-KR" sz="2000"/>
+              <a:rPr lang="en-US" altLang="ko-KR" sz="2400"/>
               <a:t>:</a:t>
             </a:r>
             <a:r>
-              <a:rPr lang="ko-KR" altLang="en-US" sz="2000"/>
+              <a:rPr lang="ko-KR" altLang="en-US" sz="2400"/>
               <a:t> </a:t>
             </a:r>
             <a:r>
-              <a:rPr lang="ko-KR" altLang="en-US" sz="2200" b="1">
+              <a:rPr lang="ko-KR" altLang="en-US" sz="2400" b="1">
                 <a:solidFill>
                   <a:srgbClr val="6182d6"/>
                 </a:solidFill>
@@ -16764,11 +17159,11 @@
               <a:t>객체 지향</a:t>
             </a:r>
             <a:r>
-              <a:rPr lang="ko-KR" altLang="en-US" sz="2000"/>
+              <a:rPr lang="ko-KR" altLang="en-US" sz="2400"/>
               <a:t> 언어에 대하여 </a:t>
             </a:r>
             <a:r>
-              <a:rPr lang="en-US" altLang="ko-KR" sz="2200" b="1">
+              <a:rPr xmlns:mc="http://schemas.openxmlformats.org/markup-compatibility/2006" xmlns:hp="http://schemas.haansoft.com/office/presentation/8.0" lang="en-US" altLang="ko-KR" sz="2400" b="1" mc:Ignorable="hp" hp:hslEmbossed="0">
                 <a:solidFill>
                   <a:srgbClr val="6182d6"/>
                 </a:solidFill>
@@ -16783,157 +17178,131 @@
               <a:t>class</a:t>
             </a:r>
             <a:r>
-              <a:rPr lang="ko-KR" altLang="en-US" sz="2000"/>
+              <a:rPr lang="ko-KR" altLang="en-US" sz="2400"/>
               <a:t>를 통하여 학습한다</a:t>
             </a:r>
             <a:r>
-              <a:rPr lang="en-US" altLang="ko-KR" sz="2000"/>
+              <a:rPr lang="en-US" altLang="ko-KR" sz="2400"/>
               <a:t>.</a:t>
             </a:r>
             <a:r>
-              <a:rPr lang="ko-KR" altLang="en-US" sz="2000"/>
+              <a:rPr lang="ko-KR" altLang="en-US" sz="2400"/>
               <a:t>  </a:t>
             </a:r>
             <a:r>
-              <a:rPr lang="en-US" altLang="ko-KR" sz="2000"/>
+              <a:rPr lang="en-US" altLang="ko-KR" sz="2400"/>
               <a:t>   </a:t>
             </a:r>
             <a:r>
-              <a:rPr lang="ko-KR" altLang="en-US" sz="2000"/>
+              <a:rPr lang="ko-KR" altLang="en-US" sz="2400"/>
               <a:t> </a:t>
             </a:r>
-            <a:endParaRPr lang="ko-KR" altLang="en-US" sz="2000"/>
+            <a:endParaRPr lang="ko-KR" altLang="en-US" sz="2400"/>
           </a:p>
           <a:p>
             <a:pPr marL="457200" indent="-457200">
               <a:defRPr/>
             </a:pPr>
-            <a:endParaRPr lang="en-US" altLang="ko-KR" sz="2000"/>
+            <a:endParaRPr lang="en-US" altLang="ko-KR" sz="2400"/>
           </a:p>
           <a:p>
             <a:pPr marL="457200" indent="-457200">
               <a:defRPr/>
             </a:pPr>
             <a:r>
-              <a:rPr lang="en-US" altLang="ko-KR" sz="2000"/>
+              <a:rPr lang="en-US" altLang="ko-KR" sz="2400"/>
               <a:t>                                                                                                                            </a:t>
             </a:r>
-            <a:endParaRPr lang="en-US" altLang="ko-KR" sz="2000"/>
+            <a:endParaRPr lang="en-US" altLang="ko-KR" sz="2400"/>
           </a:p>
           <a:p>
             <a:pPr marL="457200" indent="-457200">
               <a:defRPr/>
             </a:pPr>
             <a:r>
-              <a:rPr lang="en-US" altLang="ko-KR" sz="2000"/>
+              <a:rPr lang="en-US" altLang="ko-KR" sz="2400"/>
               <a:t>2. </a:t>
             </a:r>
             <a:r>
-              <a:rPr lang="ko-KR" altLang="en-US" sz="2000"/>
-              <a:t>과제 </a:t>
-            </a:r>
-            <a:r>
-              <a:rPr lang="en-US" altLang="ko-KR" sz="2000"/>
-              <a:t>:</a:t>
-            </a:r>
-            <a:r>
-              <a:rPr lang="ko-KR" altLang="en-US" sz="2000"/>
-              <a:t> 없음</a:t>
-            </a:r>
-            <a:r>
-              <a:rPr lang="en-US" altLang="ko-KR" sz="2000"/>
-              <a:t>.</a:t>
-            </a:r>
-            <a:endParaRPr lang="en-US" altLang="ko-KR" sz="2000"/>
+              <a:rPr lang="ko-KR" altLang="en-US" sz="2400"/>
+              <a:t>준비물 </a:t>
+            </a:r>
+            <a:r>
+              <a:rPr lang="en-US" altLang="ko-KR" sz="2400"/>
+              <a:t>: </a:t>
+            </a:r>
+            <a:r>
+              <a:rPr lang="ko-KR" altLang="en-US" sz="2400"/>
+              <a:t>노트북</a:t>
+            </a:r>
+            <a:r>
+              <a:rPr lang="en-US" altLang="ko-KR" sz="2400"/>
+              <a:t>. (</a:t>
+            </a:r>
+            <a:r>
+              <a:rPr lang="ko-KR" altLang="en-US" sz="2400"/>
+              <a:t>직접 </a:t>
+            </a:r>
+            <a:r>
+              <a:rPr lang="en-US" altLang="ko-KR" sz="2400"/>
+              <a:t>Coding</a:t>
+            </a:r>
+            <a:r>
+              <a:rPr lang="ko-KR" altLang="en-US" sz="2400"/>
+              <a:t>을 하면서 학습한 것을 확인 한다</a:t>
+            </a:r>
+            <a:r>
+              <a:rPr lang="en-US" altLang="ko-KR" sz="2400"/>
+              <a:t>.)</a:t>
+            </a:r>
+            <a:endParaRPr lang="ko-KR" altLang="en-US" sz="2400"/>
           </a:p>
           <a:p>
             <a:pPr marL="457200" indent="-457200">
               <a:defRPr/>
             </a:pPr>
-            <a:endParaRPr lang="en-US" altLang="ko-KR" sz="2000"/>
+            <a:endParaRPr lang="en-US" altLang="ko-KR" sz="2400"/>
           </a:p>
           <a:p>
             <a:pPr marL="457200" indent="-457200">
               <a:defRPr/>
             </a:pPr>
-            <a:endParaRPr lang="en-US" altLang="ko-KR" sz="2000"/>
+            <a:endParaRPr lang="en-US" altLang="ko-KR" sz="2400"/>
           </a:p>
           <a:p>
             <a:pPr marL="457200" indent="-457200">
               <a:defRPr/>
             </a:pPr>
             <a:r>
-              <a:rPr lang="en-US" altLang="ko-KR" sz="2000"/>
+              <a:rPr lang="en-US" altLang="ko-KR" sz="2400"/>
               <a:t>3. </a:t>
             </a:r>
             <a:r>
-              <a:rPr lang="ko-KR" altLang="en-US" sz="2000"/>
-              <a:t>준비물 </a:t>
-            </a:r>
-            <a:r>
-              <a:rPr lang="en-US" altLang="ko-KR" sz="2000"/>
-              <a:t>: </a:t>
-            </a:r>
-            <a:r>
-              <a:rPr lang="ko-KR" altLang="en-US" sz="2000"/>
-              <a:t>노트북</a:t>
-            </a:r>
-            <a:r>
-              <a:rPr lang="en-US" altLang="ko-KR" sz="2000"/>
-              <a:t>. (</a:t>
-            </a:r>
-            <a:r>
-              <a:rPr lang="ko-KR" altLang="en-US" sz="2000"/>
-              <a:t>직접 </a:t>
-            </a:r>
-            <a:r>
-              <a:rPr lang="en-US" altLang="ko-KR" sz="2000"/>
-              <a:t>Coding</a:t>
-            </a:r>
-            <a:r>
-              <a:rPr lang="ko-KR" altLang="en-US" sz="2000"/>
-              <a:t>을 하면서 학습한 것을 확인 한다</a:t>
-            </a:r>
-            <a:r>
-              <a:rPr lang="en-US" altLang="ko-KR" sz="2000"/>
-              <a:t>.)</a:t>
-            </a:r>
-            <a:endParaRPr lang="en-US" altLang="ko-KR" sz="2000"/>
+              <a:rPr lang="ko-KR" altLang="en-US" sz="2400"/>
+              <a:t>과제 </a:t>
+            </a:r>
+            <a:r>
+              <a:rPr lang="en-US" altLang="ko-KR" sz="2400"/>
+              <a:t>:</a:t>
+            </a:r>
+            <a:r>
+              <a:rPr lang="ko-KR" altLang="en-US" sz="2400"/>
+              <a:t> 없음</a:t>
+            </a:r>
+            <a:r>
+              <a:rPr lang="en-US" altLang="ko-KR" sz="2400"/>
+              <a:t>.</a:t>
+            </a:r>
+            <a:endParaRPr lang="en-US" altLang="ko-KR" sz="2400"/>
           </a:p>
           <a:p>
             <a:pPr marL="457200" indent="-457200">
               <a:defRPr/>
             </a:pPr>
-            <a:endParaRPr lang="ko-KR" altLang="en-US" sz="2000"/>
+            <a:endParaRPr lang="ko-KR" altLang="en-US" sz="2400"/>
           </a:p>
         </p:txBody>
       </p:sp>
-      <p:pic>
-        <p:nvPicPr>
-          <p:cNvPr id="7" name="Picture 2" descr="c언어 변수.png에 대한 이미지 검색결과"/>
-          <p:cNvPicPr>
-            <a:picLocks noChangeAspect="1" noChangeArrowheads="1"/>
-          </p:cNvPicPr>
-          <p:nvPr/>
-        </p:nvPicPr>
-        <p:blipFill rotWithShape="1">
-          <a:blip r:embed="rId4"/>
-          <a:srcRect/>
-          <a:stretch>
-            <a:fillRect/>
-          </a:stretch>
-        </p:blipFill>
-        <p:spPr>
-          <a:xfrm>
-            <a:off x="6732240" y="885986"/>
-            <a:ext cx="1849215" cy="1849215"/>
-          </a:xfrm>
-          <a:prstGeom prst="rect">
-            <a:avLst/>
-          </a:prstGeom>
-          <a:noFill/>
-        </p:spPr>
-      </p:pic>
       <p:sp>
         <p:nvSpPr>
           <p:cNvPr id="8" name="슬라이드 번호 개체 틀 1"/>
@@ -16980,6 +17349,30 @@
           </a:p>
         </p:txBody>
       </p:sp>
+      <p:pic>
+        <p:nvPicPr>
+          <p:cNvPr id="9" name=""/>
+          <p:cNvPicPr>
+            <a:picLocks noChangeAspect="1"/>
+          </p:cNvPicPr>
+          <p:nvPr/>
+        </p:nvPicPr>
+        <p:blipFill rotWithShape="1">
+          <a:blip r:embed="rId4"/>
+          <a:stretch>
+            <a:fillRect/>
+          </a:stretch>
+        </p:blipFill>
+        <p:spPr>
+          <a:xfrm>
+            <a:off x="7020272" y="548680"/>
+            <a:ext cx="1800200" cy="1800200"/>
+          </a:xfrm>
+          <a:prstGeom prst="rect">
+            <a:avLst/>
+          </a:prstGeom>
+        </p:spPr>
+      </p:pic>
     </p:spTree>
   </p:cSld>
   <p:clrMapOvr>
@@ -16997,14 +17390,13 @@
 </file>
 
 <file path=ppt/slides/slide17.xml><?xml version="1.0" encoding="utf-8"?>
-<p:sld xmlns:a="http://schemas.openxmlformats.org/drawingml/2006/main" xmlns:r="http://schemas.openxmlformats.org/officeDocument/2006/relationships" xmlns:p="http://schemas.openxmlformats.org/presentationml/2006/main">
+<p:sld xmlns:r="http://schemas.openxmlformats.org/officeDocument/2006/relationships" xmlns:c="http://schemas.openxmlformats.org/drawingml/2006/chart" xmlns:a="http://schemas.openxmlformats.org/drawingml/2006/main" xmlns:dgm="http://schemas.openxmlformats.org/drawingml/2006/diagram" xmlns:dsp="http://schemas.microsoft.com/office/drawing/2008/diagram" xmlns:p="http://schemas.openxmlformats.org/presentationml/2006/main">
   <p:cSld>
     <p:bg>
-      <p:bgPr>
+      <p:bgPr shadeToTitle="0">
         <a:solidFill>
           <a:schemeClr val="bg1"/>
         </a:solidFill>
-        <a:effectLst/>
       </p:bgPr>
     </p:bg>
     <p:spTree>
@@ -17023,13 +17415,7 @@
       </p:grpSpPr>
       <p:pic>
         <p:nvPicPr>
-          <p:cNvPr id="3" name="Picture 2" descr="\\Server\share\공유\한국산업안전보건공단\PPT-원고\소스\서비스블루.png">
-            <a:extLst>
-              <a:ext uri="{FF2B5EF4-FFF2-40B4-BE49-F238E27FC236}">
-                <a16:creationId xmlns:a16="http://schemas.microsoft.com/office/drawing/2014/main" id="{41DD2975-2FE9-4DE3-90EE-D2C3D3837821}"/>
-              </a:ext>
-            </a:extLst>
-          </p:cNvPr>
+          <p:cNvPr id="3" name="Picture 2" descr="\\Server\share\공유\한국산업안전보건공단\PPT-원고\소스\서비스블루.png"/>
           <p:cNvPicPr>
             <a:picLocks noChangeAspect="1" noChangeArrowheads="1"/>
           </p:cNvPicPr>
@@ -17066,7 +17452,7 @@
         <p:spPr>
           <a:xfrm>
             <a:off x="1331640" y="5373216"/>
-            <a:ext cx="4156021" cy="707886"/>
+            <a:ext cx="4156021" cy="692304"/>
           </a:xfrm>
           <a:prstGeom prst="rect">
             <a:avLst/>
@@ -17083,72 +17469,40 @@
               <a:defRPr/>
             </a:pPr>
             <a:r>
-              <a:rPr lang="ko-KR" altLang="en-US" sz="4000" dirty="0">
-                <a:solidFill>
-                  <a:srgbClr val="0070C0"/>
+              <a:rPr lang="en-US" altLang="ko-KR" sz="4000">
+                <a:solidFill>
+                  <a:srgbClr val="0070c0"/>
                 </a:solidFill>
               </a:rPr>
-              <a:t>감사합니다</a:t>
-            </a:r>
+              <a:t>...</a:t>
+            </a:r>
+            <a:r>
+              <a:rPr lang="ko-KR" altLang="en-US" sz="4000">
+                <a:solidFill>
+                  <a:srgbClr val="0070c0"/>
+                </a:solidFill>
+              </a:rPr>
+              <a:t> 끝</a:t>
+            </a:r>
+            <a:r>
+              <a:rPr lang="en-US" altLang="ko-KR" sz="4000">
+                <a:solidFill>
+                  <a:srgbClr val="0070c0"/>
+                </a:solidFill>
+              </a:rPr>
+              <a:t>.</a:t>
+            </a:r>
+            <a:endParaRPr lang="en-US" altLang="ko-KR" sz="4000">
+              <a:solidFill>
+                <a:srgbClr val="0070c0"/>
+              </a:solidFill>
+            </a:endParaRPr>
           </a:p>
         </p:txBody>
       </p:sp>
-      <p:pic>
-        <p:nvPicPr>
-          <p:cNvPr id="5" name="Picture 2" descr="c언어 변수.png에 대한 이미지 검색결과">
-            <a:extLst>
-              <a:ext uri="{FF2B5EF4-FFF2-40B4-BE49-F238E27FC236}">
-                <a16:creationId xmlns:a16="http://schemas.microsoft.com/office/drawing/2014/main" id="{09013F6A-401B-4EA8-9948-6480D6638EB7}"/>
-              </a:ext>
-            </a:extLst>
-          </p:cNvPr>
-          <p:cNvPicPr>
-            <a:picLocks noChangeAspect="1" noChangeArrowheads="1"/>
-          </p:cNvPicPr>
-          <p:nvPr/>
-        </p:nvPicPr>
-        <p:blipFill>
-          <a:blip r:embed="rId3">
-            <a:extLst>
-              <a:ext uri="{28A0092B-C50C-407E-A947-70E740481C1C}">
-                <a14:useLocalDpi xmlns:a14="http://schemas.microsoft.com/office/drawing/2010/main" val="0"/>
-              </a:ext>
-            </a:extLst>
-          </a:blip>
-          <a:srcRect/>
-          <a:stretch>
-            <a:fillRect/>
-          </a:stretch>
-        </p:blipFill>
-        <p:spPr bwMode="auto">
-          <a:xfrm>
-            <a:off x="6732240" y="885986"/>
-            <a:ext cx="1849215" cy="1849215"/>
-          </a:xfrm>
-          <a:prstGeom prst="rect">
-            <a:avLst/>
-          </a:prstGeom>
-          <a:noFill/>
-          <a:extLst>
-            <a:ext uri="{909E8E84-426E-40DD-AFC4-6F175D3DCCD1}">
-              <a14:hiddenFill xmlns:a14="http://schemas.microsoft.com/office/drawing/2010/main">
-                <a:solidFill>
-                  <a:srgbClr val="FFFFFF"/>
-                </a:solidFill>
-              </a14:hiddenFill>
-            </a:ext>
-          </a:extLst>
-        </p:spPr>
-      </p:pic>
       <p:sp>
         <p:nvSpPr>
-          <p:cNvPr id="6" name="슬라이드 번호 개체 틀 1">
-            <a:extLst>
-              <a:ext uri="{FF2B5EF4-FFF2-40B4-BE49-F238E27FC236}">
-                <a16:creationId xmlns:a16="http://schemas.microsoft.com/office/drawing/2014/main" id="{45F4312D-3179-4436-841A-3B7C39E05F56}"/>
-              </a:ext>
-            </a:extLst>
-          </p:cNvPr>
+          <p:cNvPr id="6" name="슬라이드 번호 개체 틀 1"/>
           <p:cNvSpPr txBox="1"/>
           <p:nvPr/>
         </p:nvSpPr>
@@ -17176,7 +17530,7 @@
             <a:fld id="{7F65F548-4073-416B-8831-474EB8B0CAAB}" type="slidenum">
               <a:rPr kumimoji="0" lang="en-US" altLang="en-US" sz="2400" b="1">
                 <a:solidFill>
-                  <a:srgbClr val="0237CE"/>
+                  <a:srgbClr val="0237ce"/>
                 </a:solidFill>
               </a:rPr>
               <a:pPr algn="ctr" latinLnBrk="0">
@@ -17184,24 +17538,48 @@
               </a:pPr>
               <a:t>17</a:t>
             </a:fld>
-            <a:endParaRPr kumimoji="0" lang="en-US" altLang="en-US" sz="2400" b="1" dirty="0">
+            <a:endParaRPr kumimoji="0" lang="en-US" altLang="en-US" sz="2400" b="1">
               <a:solidFill>
-                <a:srgbClr val="0237CE"/>
+                <a:srgbClr val="0237ce"/>
               </a:solidFill>
             </a:endParaRPr>
           </a:p>
         </p:txBody>
       </p:sp>
+      <p:pic>
+        <p:nvPicPr>
+          <p:cNvPr id="7" name=""/>
+          <p:cNvPicPr>
+            <a:picLocks noChangeAspect="1"/>
+          </p:cNvPicPr>
+          <p:nvPr/>
+        </p:nvPicPr>
+        <p:blipFill rotWithShape="1">
+          <a:blip r:embed="rId3"/>
+          <a:stretch>
+            <a:fillRect/>
+          </a:stretch>
+        </p:blipFill>
+        <p:spPr>
+          <a:xfrm>
+            <a:off x="7020272" y="548680"/>
+            <a:ext cx="1800200" cy="1800200"/>
+          </a:xfrm>
+          <a:prstGeom prst="rect">
+            <a:avLst/>
+          </a:prstGeom>
+        </p:spPr>
+      </p:pic>
     </p:spTree>
   </p:cSld>
   <p:clrMapOvr>
     <a:masterClrMapping/>
   </p:clrMapOvr>
-  <mc:AlternateContent xmlns:mc="http://schemas.openxmlformats.org/markup-compatibility/2006" xmlns:p14="http://schemas.microsoft.com/office/powerpoint/2010/main">
-    <mc:Choice Requires="p14">
-      <p:transition/>
+  <mc:AlternateContent xmlns:mc="http://schemas.openxmlformats.org/markup-compatibility/2006">
+    <mc:Choice xmlns:p14="http://schemas.microsoft.com/office/powerpoint/2010/main" Requires="p14">
+      <p:transition xmlns:mc="http://schemas.openxmlformats.org/markup-compatibility/2006" xmlns:p14="http://schemas.microsoft.com/office/powerpoint/2010/main" mc:Ignorable="p14" p14:dur="500"/>
     </mc:Choice>
-    <mc:Fallback xmlns:dsp="http://schemas.microsoft.com/office/drawing/2008/diagram" xmlns:dgm="http://schemas.openxmlformats.org/drawingml/2006/diagram" xmlns:c="http://schemas.openxmlformats.org/drawingml/2006/chart" xmlns="">
+    <mc:Fallback>
       <p:transition/>
     </mc:Fallback>
   </mc:AlternateContent>
@@ -17209,7 +17587,7 @@
 </file>
 
 <file path=ppt/slides/slide2.xml><?xml version="1.0" encoding="utf-8"?>
-<p:sld xmlns:a="http://schemas.openxmlformats.org/drawingml/2006/main" xmlns:r="http://schemas.openxmlformats.org/officeDocument/2006/relationships" xmlns:p="http://schemas.openxmlformats.org/presentationml/2006/main">
+<p:sld xmlns:r="http://schemas.openxmlformats.org/officeDocument/2006/relationships" xmlns:c="http://schemas.openxmlformats.org/drawingml/2006/chart" xmlns:a="http://schemas.openxmlformats.org/drawingml/2006/main" xmlns:dgm="http://schemas.openxmlformats.org/drawingml/2006/diagram" xmlns:dsp="http://schemas.microsoft.com/office/drawing/2008/diagram" xmlns:p="http://schemas.openxmlformats.org/presentationml/2006/main">
   <p:cSld>
     <p:spTree>
       <p:nvGrpSpPr>
@@ -17275,6 +17653,13 @@
               </a:rPr>
               <a:t>목 차</a:t>
             </a:r>
+            <a:endParaRPr kumimoji="0" lang="ko-KR" altLang="en-US" sz="4400" b="1" kern="0">
+              <a:solidFill>
+                <a:schemeClr val="accent6">
+                  <a:lumMod val="50000"/>
+                </a:schemeClr>
+              </a:solidFill>
+            </a:endParaRPr>
           </a:p>
         </p:txBody>
       </p:sp>
@@ -17285,7 +17670,7 @@
           <p:nvPr/>
         </p:nvGrpSpPr>
         <p:grpSpPr>
-          <a:xfrm>
+          <a:xfrm rot="0">
             <a:off x="974725" y="1714488"/>
             <a:ext cx="123825" cy="609600"/>
             <a:chOff x="920394" y="2268463"/>
@@ -17307,7 +17692,7 @@
               <a:avLst/>
             </a:prstGeom>
             <a:solidFill>
-              <a:srgbClr val="00B0F0"/>
+              <a:srgbClr val="00b0f0"/>
             </a:solidFill>
             <a:ln w="9525" algn="ctr">
               <a:noFill/>
@@ -17315,7 +17700,7 @@
             </a:ln>
             <a:effectLst>
               <a:outerShdw dist="35921" dir="2700000" algn="ctr" rotWithShape="0">
-                <a:srgbClr val="C0C0C0"/>
+                <a:srgbClr val="c0c0c0"/>
               </a:outerShdw>
             </a:effectLst>
           </p:spPr>
@@ -17349,7 +17734,7 @@
               <a:avLst/>
             </a:prstGeom>
             <a:solidFill>
-              <a:srgbClr val="EF7575"/>
+              <a:srgbClr val="ef7575"/>
             </a:solidFill>
             <a:ln w="9525" algn="ctr">
               <a:noFill/>
@@ -17357,7 +17742,7 @@
             </a:ln>
             <a:effectLst>
               <a:outerShdw dist="35921" dir="2700000" algn="ctr" rotWithShape="0">
-                <a:srgbClr val="C0C0C0"/>
+                <a:srgbClr val="c0c0c0"/>
               </a:outerShdw>
             </a:effectLst>
           </p:spPr>
@@ -17414,7 +17799,7 @@
           <p:nvPr/>
         </p:nvGrpSpPr>
         <p:grpSpPr>
-          <a:xfrm>
+          <a:xfrm rot="0">
             <a:off x="1214414" y="3715854"/>
             <a:ext cx="5462588" cy="1119181"/>
             <a:chOff x="1241425" y="3305176"/>
@@ -17449,6 +17834,7 @@
                 <a:rPr lang="ko-KR" altLang="en-US" sz="3200" spc="-150"/>
                 <a:t>언어특성 활용하기</a:t>
               </a:r>
+              <a:endParaRPr lang="ko-KR" altLang="en-US" sz="3200" spc="-150"/>
             </a:p>
           </p:txBody>
         </p:sp>
@@ -17459,7 +17845,7 @@
             <p:nvPr/>
           </p:nvGrpSpPr>
           <p:grpSpPr>
-            <a:xfrm>
+            <a:xfrm rot="0">
               <a:off x="1241425" y="3305176"/>
               <a:ext cx="1171575" cy="1119181"/>
               <a:chOff x="2630605" y="2941259"/>
@@ -17478,10 +17864,10 @@
               <a:blip r:embed="rId3">
                 <a:clrChange>
                   <a:clrFrom>
-                    <a:srgbClr val="FFFFFF"/>
+                    <a:srgbClr val="ffffff"/>
                   </a:clrFrom>
                   <a:clrTo>
-                    <a:srgbClr val="FFFFFF">
+                    <a:srgbClr val="ffffff">
                       <a:alpha val="0"/>
                     </a:srgbClr>
                   </a:clrTo>
@@ -17557,7 +17943,7 @@
           <p:nvPr/>
         </p:nvGrpSpPr>
         <p:grpSpPr>
-          <a:xfrm>
+          <a:xfrm rot="0">
             <a:off x="1214415" y="4994782"/>
             <a:ext cx="7062465" cy="1077423"/>
             <a:chOff x="1243013" y="4370884"/>
@@ -17592,6 +17978,7 @@
                 <a:rPr lang="ko-KR" altLang="en-US" sz="3200" spc="-150"/>
                 <a:t>라이브러리 활용하기</a:t>
               </a:r>
+              <a:endParaRPr lang="ko-KR" altLang="en-US" sz="3200" spc="-150"/>
             </a:p>
           </p:txBody>
         </p:sp>
@@ -17602,7 +17989,7 @@
             <p:nvPr/>
           </p:nvGrpSpPr>
           <p:grpSpPr>
-            <a:xfrm>
+            <a:xfrm rot="0">
               <a:off x="1243013" y="4370884"/>
               <a:ext cx="797264" cy="1077423"/>
               <a:chOff x="2632054" y="4006952"/>
@@ -17618,13 +18005,13 @@
               <p:nvPr/>
             </p:nvPicPr>
             <p:blipFill rotWithShape="1">
-              <a:blip r:embed="rId3">
+              <a:blip r:embed="rId4">
                 <a:clrChange>
                   <a:clrFrom>
-                    <a:srgbClr val="FFFFFF"/>
+                    <a:srgbClr val="ffffff"/>
                   </a:clrFrom>
                   <a:clrTo>
-                    <a:srgbClr val="FFFFFF">
+                    <a:srgbClr val="ffffff">
                       <a:alpha val="0"/>
                     </a:srgbClr>
                   </a:clrTo>
@@ -17700,7 +18087,7 @@
           <p:nvPr/>
         </p:nvGrpSpPr>
         <p:grpSpPr>
-          <a:xfrm>
+          <a:xfrm rot="0">
             <a:off x="1252552" y="2439586"/>
             <a:ext cx="7856280" cy="1119181"/>
             <a:chOff x="1241425" y="3305176"/>
@@ -17734,11 +18121,16 @@
               <a:r>
                 <a:rPr lang="ko-KR" altLang="en-US" sz="3200" spc="-150">
                   <a:solidFill>
-                    <a:srgbClr val="EB5800"/>
+                    <a:srgbClr val="eb5800"/>
                   </a:solidFill>
                 </a:rPr>
                 <a:t>기본문법 활용하기</a:t>
               </a:r>
+              <a:endParaRPr lang="ko-KR" altLang="en-US" sz="3200" spc="-150">
+                <a:solidFill>
+                  <a:srgbClr val="eb5800"/>
+                </a:solidFill>
+              </a:endParaRPr>
             </a:p>
           </p:txBody>
         </p:sp>
@@ -17749,7 +18141,7 @@
             <p:nvPr/>
           </p:nvGrpSpPr>
           <p:grpSpPr>
-            <a:xfrm>
+            <a:xfrm rot="0">
               <a:off x="1241425" y="3305176"/>
               <a:ext cx="1171575" cy="1119181"/>
               <a:chOff x="2630605" y="2941259"/>
@@ -17765,13 +18157,13 @@
               <p:nvPr/>
             </p:nvPicPr>
             <p:blipFill rotWithShape="1">
-              <a:blip r:embed="rId3">
+              <a:blip r:embed="rId5">
                 <a:clrChange>
                   <a:clrFrom>
-                    <a:srgbClr val="FFFFFF"/>
+                    <a:srgbClr val="ffffff"/>
                   </a:clrFrom>
                   <a:clrTo>
-                    <a:srgbClr val="FFFFFF">
+                    <a:srgbClr val="ffffff">
                       <a:alpha val="0"/>
                     </a:srgbClr>
                   </a:clrTo>
@@ -17840,62 +18232,9 @@
           </p:sp>
         </p:grpSp>
       </p:grpSp>
-      <p:pic>
-        <p:nvPicPr>
-          <p:cNvPr id="22" name="Picture 2" descr="c언어 변수.png에 대한 이미지 검색결과">
-            <a:extLst>
-              <a:ext uri="{FF2B5EF4-FFF2-40B4-BE49-F238E27FC236}">
-                <a16:creationId xmlns:a16="http://schemas.microsoft.com/office/drawing/2014/main" id="{045F586D-F11D-4AE3-8AF5-091561DE11F6}"/>
-              </a:ext>
-            </a:extLst>
-          </p:cNvPr>
-          <p:cNvPicPr>
-            <a:picLocks noChangeAspect="1" noChangeArrowheads="1"/>
-          </p:cNvPicPr>
-          <p:nvPr/>
-        </p:nvPicPr>
-        <p:blipFill>
-          <a:blip r:embed="rId4">
-            <a:extLst>
-              <a:ext uri="{28A0092B-C50C-407E-A947-70E740481C1C}">
-                <a14:useLocalDpi xmlns:a14="http://schemas.microsoft.com/office/drawing/2010/main" val="0"/>
-              </a:ext>
-            </a:extLst>
-          </a:blip>
-          <a:srcRect/>
-          <a:stretch>
-            <a:fillRect/>
-          </a:stretch>
-        </p:blipFill>
-        <p:spPr bwMode="auto">
-          <a:xfrm>
-            <a:off x="6732240" y="885986"/>
-            <a:ext cx="1849215" cy="1849215"/>
-          </a:xfrm>
-          <a:prstGeom prst="rect">
-            <a:avLst/>
-          </a:prstGeom>
-          <a:noFill/>
-          <a:extLst>
-            <a:ext uri="{909E8E84-426E-40DD-AFC4-6F175D3DCCD1}">
-              <a14:hiddenFill xmlns:a14="http://schemas.microsoft.com/office/drawing/2010/main">
-                <a:solidFill>
-                  <a:srgbClr val="FFFFFF"/>
-                </a:solidFill>
-              </a14:hiddenFill>
-            </a:ext>
-          </a:extLst>
-        </p:spPr>
-      </p:pic>
       <p:sp>
         <p:nvSpPr>
-          <p:cNvPr id="23" name="슬라이드 번호 개체 틀 1">
-            <a:extLst>
-              <a:ext uri="{FF2B5EF4-FFF2-40B4-BE49-F238E27FC236}">
-                <a16:creationId xmlns:a16="http://schemas.microsoft.com/office/drawing/2014/main" id="{71DD0CCB-7395-4E12-827C-3FE6CCC7604F}"/>
-              </a:ext>
-            </a:extLst>
-          </p:cNvPr>
+          <p:cNvPr id="23" name="슬라이드 번호 개체 틀 1"/>
           <p:cNvSpPr txBox="1"/>
           <p:nvPr/>
         </p:nvSpPr>
@@ -17921,9 +18260,9 @@
               <a:defRPr/>
             </a:pPr>
             <a:fld id="{7F65F548-4073-416B-8831-474EB8B0CAAB}" type="slidenum">
-              <a:rPr kumimoji="0" lang="en-US" altLang="en-US" sz="2400" b="1" smtClean="0">
-                <a:solidFill>
-                  <a:srgbClr val="0237CE"/>
+              <a:rPr kumimoji="0" lang="en-US" altLang="en-US" sz="2400" b="1">
+                <a:solidFill>
+                  <a:srgbClr val="0237ce"/>
                 </a:solidFill>
               </a:rPr>
               <a:pPr algn="ctr" latinLnBrk="0">
@@ -17931,24 +18270,48 @@
               </a:pPr>
               <a:t>2</a:t>
             </a:fld>
-            <a:endParaRPr kumimoji="0" lang="en-US" altLang="en-US" sz="2400" b="1" dirty="0">
+            <a:endParaRPr kumimoji="0" lang="en-US" altLang="en-US" sz="2400" b="1">
               <a:solidFill>
-                <a:srgbClr val="0237CE"/>
+                <a:srgbClr val="0237ce"/>
               </a:solidFill>
             </a:endParaRPr>
           </a:p>
         </p:txBody>
       </p:sp>
+      <p:pic>
+        <p:nvPicPr>
+          <p:cNvPr id="173" name=""/>
+          <p:cNvPicPr>
+            <a:picLocks noChangeAspect="1"/>
+          </p:cNvPicPr>
+          <p:nvPr/>
+        </p:nvPicPr>
+        <p:blipFill rotWithShape="1">
+          <a:blip r:embed="rId6"/>
+          <a:stretch>
+            <a:fillRect/>
+          </a:stretch>
+        </p:blipFill>
+        <p:spPr>
+          <a:xfrm>
+            <a:off x="7020272" y="620688"/>
+            <a:ext cx="1800200" cy="1800200"/>
+          </a:xfrm>
+          <a:prstGeom prst="rect">
+            <a:avLst/>
+          </a:prstGeom>
+        </p:spPr>
+      </p:pic>
     </p:spTree>
   </p:cSld>
   <p:clrMapOvr>
     <a:masterClrMapping/>
   </p:clrMapOvr>
-  <mc:AlternateContent xmlns:mc="http://schemas.openxmlformats.org/markup-compatibility/2006" xmlns:p14="http://schemas.microsoft.com/office/powerpoint/2010/main">
-    <mc:Choice Requires="p14">
-      <p:transition/>
+  <mc:AlternateContent xmlns:mc="http://schemas.openxmlformats.org/markup-compatibility/2006">
+    <mc:Choice xmlns:p14="http://schemas.microsoft.com/office/powerpoint/2010/main" Requires="p14">
+      <p:transition xmlns:mc="http://schemas.openxmlformats.org/markup-compatibility/2006" xmlns:p14="http://schemas.microsoft.com/office/powerpoint/2010/main" mc:Ignorable="p14" p14:dur="500"/>
     </mc:Choice>
-    <mc:Fallback xmlns:dsp="http://schemas.microsoft.com/office/drawing/2008/diagram" xmlns:dgm="http://schemas.openxmlformats.org/drawingml/2006/diagram" xmlns:c="http://schemas.openxmlformats.org/drawingml/2006/chart" xmlns="">
+    <mc:Fallback>
       <p:transition/>
     </mc:Fallback>
   </mc:AlternateContent>
@@ -19659,32 +20022,6 @@
           </a:ln>
         </p:spPr>
       </p:pic>
-      <p:pic>
-        <p:nvPicPr>
-          <p:cNvPr id="15" name="Picture 2" descr="c언어 변수.png에 대한 이미지 검색결과"/>
-          <p:cNvPicPr>
-            <a:picLocks noChangeAspect="1" noChangeArrowheads="1"/>
-          </p:cNvPicPr>
-          <p:nvPr/>
-        </p:nvPicPr>
-        <p:blipFill rotWithShape="1">
-          <a:blip r:embed="rId4"/>
-          <a:srcRect/>
-          <a:stretch>
-            <a:fillRect/>
-          </a:stretch>
-        </p:blipFill>
-        <p:spPr>
-          <a:xfrm>
-            <a:off x="6827241" y="787697"/>
-            <a:ext cx="1849215" cy="1849215"/>
-          </a:xfrm>
-          <a:prstGeom prst="rect">
-            <a:avLst/>
-          </a:prstGeom>
-          <a:noFill/>
-        </p:spPr>
-      </p:pic>
       <p:sp>
         <p:nvSpPr>
           <p:cNvPr id="16" name="슬라이드 번호 개체 틀 1"/>
@@ -19833,6 +20170,30 @@
           </a:p>
         </p:txBody>
       </p:sp>
+      <p:pic>
+        <p:nvPicPr>
+          <p:cNvPr id="155" name=""/>
+          <p:cNvPicPr>
+            <a:picLocks noChangeAspect="1"/>
+          </p:cNvPicPr>
+          <p:nvPr/>
+        </p:nvPicPr>
+        <p:blipFill rotWithShape="1">
+          <a:blip r:embed="rId4"/>
+          <a:stretch>
+            <a:fillRect/>
+          </a:stretch>
+        </p:blipFill>
+        <p:spPr>
+          <a:xfrm>
+            <a:off x="7020272" y="620688"/>
+            <a:ext cx="1800200" cy="1800200"/>
+          </a:xfrm>
+          <a:prstGeom prst="rect">
+            <a:avLst/>
+          </a:prstGeom>
+        </p:spPr>
+      </p:pic>
     </p:spTree>
   </p:cSld>
   <p:clrMapOvr>
@@ -20040,32 +20401,6 @@
           </a:ln>
         </p:spPr>
       </p:pic>
-      <p:pic>
-        <p:nvPicPr>
-          <p:cNvPr id="7" name="Picture 2" descr="c언어 변수.png에 대한 이미지 검색결과"/>
-          <p:cNvPicPr>
-            <a:picLocks noChangeAspect="1" noChangeArrowheads="1"/>
-          </p:cNvPicPr>
-          <p:nvPr/>
-        </p:nvPicPr>
-        <p:blipFill rotWithShape="1">
-          <a:blip r:embed="rId4"/>
-          <a:srcRect/>
-          <a:stretch>
-            <a:fillRect/>
-          </a:stretch>
-        </p:blipFill>
-        <p:spPr>
-          <a:xfrm>
-            <a:off x="6732240" y="885986"/>
-            <a:ext cx="1849215" cy="1849215"/>
-          </a:xfrm>
-          <a:prstGeom prst="rect">
-            <a:avLst/>
-          </a:prstGeom>
-          <a:noFill/>
-        </p:spPr>
-      </p:pic>
       <p:sp>
         <p:nvSpPr>
           <p:cNvPr id="9" name="슬라이드 번호 개체 틀 1"/>
@@ -20121,7 +20456,7 @@
           <p:nvPr/>
         </p:nvPicPr>
         <p:blipFill rotWithShape="1">
-          <a:blip r:embed="rId5"/>
+          <a:blip r:embed="rId4"/>
           <a:stretch>
             <a:fillRect/>
           </a:stretch>
@@ -20130,6 +20465,30 @@
           <a:xfrm>
             <a:off x="1331640" y="2965127"/>
             <a:ext cx="5777154" cy="2048048"/>
+          </a:xfrm>
+          <a:prstGeom prst="rect">
+            <a:avLst/>
+          </a:prstGeom>
+        </p:spPr>
+      </p:pic>
+      <p:pic>
+        <p:nvPicPr>
+          <p:cNvPr id="39" name=""/>
+          <p:cNvPicPr>
+            <a:picLocks noChangeAspect="1"/>
+          </p:cNvPicPr>
+          <p:nvPr/>
+        </p:nvPicPr>
+        <p:blipFill rotWithShape="1">
+          <a:blip r:embed="rId5"/>
+          <a:stretch>
+            <a:fillRect/>
+          </a:stretch>
+        </p:blipFill>
+        <p:spPr>
+          <a:xfrm>
+            <a:off x="7020272" y="620688"/>
+            <a:ext cx="1800200" cy="1800200"/>
           </a:xfrm>
           <a:prstGeom prst="rect">
             <a:avLst/>
@@ -20603,32 +20962,6 @@
           </a:p>
         </p:txBody>
       </p:sp>
-      <p:pic>
-        <p:nvPicPr>
-          <p:cNvPr id="11" name="Picture 2" descr="c언어 변수.png에 대한 이미지 검색결과"/>
-          <p:cNvPicPr>
-            <a:picLocks noChangeAspect="1" noChangeArrowheads="1"/>
-          </p:cNvPicPr>
-          <p:nvPr/>
-        </p:nvPicPr>
-        <p:blipFill rotWithShape="1">
-          <a:blip r:embed="rId4"/>
-          <a:srcRect/>
-          <a:stretch>
-            <a:fillRect/>
-          </a:stretch>
-        </p:blipFill>
-        <p:spPr>
-          <a:xfrm>
-            <a:off x="6804248" y="885986"/>
-            <a:ext cx="1849215" cy="1849215"/>
-          </a:xfrm>
-          <a:prstGeom prst="rect">
-            <a:avLst/>
-          </a:prstGeom>
-          <a:noFill/>
-        </p:spPr>
-      </p:pic>
       <p:sp>
         <p:nvSpPr>
           <p:cNvPr id="12" name="슬라이드 번호 개체 틀 1"/>
@@ -20675,6 +21008,30 @@
           </a:p>
         </p:txBody>
       </p:sp>
+      <p:pic>
+        <p:nvPicPr>
+          <p:cNvPr id="154" name=""/>
+          <p:cNvPicPr>
+            <a:picLocks noChangeAspect="1"/>
+          </p:cNvPicPr>
+          <p:nvPr/>
+        </p:nvPicPr>
+        <p:blipFill rotWithShape="1">
+          <a:blip r:embed="rId4"/>
+          <a:stretch>
+            <a:fillRect/>
+          </a:stretch>
+        </p:blipFill>
+        <p:spPr>
+          <a:xfrm>
+            <a:off x="7020272" y="620688"/>
+            <a:ext cx="1800200" cy="1800200"/>
+          </a:xfrm>
+          <a:prstGeom prst="rect">
+            <a:avLst/>
+          </a:prstGeom>
+        </p:spPr>
+      </p:pic>
     </p:spTree>
   </p:cSld>
   <p:clrMapOvr>
@@ -21830,32 +22187,6 @@
           </a:p>
         </p:txBody>
       </p:sp>
-      <p:pic>
-        <p:nvPicPr>
-          <p:cNvPr id="22" name="Picture 2" descr="c언어 변수.png에 대한 이미지 검색결과"/>
-          <p:cNvPicPr>
-            <a:picLocks noChangeAspect="1" noChangeArrowheads="1"/>
-          </p:cNvPicPr>
-          <p:nvPr/>
-        </p:nvPicPr>
-        <p:blipFill rotWithShape="1">
-          <a:blip r:embed="rId6"/>
-          <a:srcRect/>
-          <a:stretch>
-            <a:fillRect/>
-          </a:stretch>
-        </p:blipFill>
-        <p:spPr>
-          <a:xfrm>
-            <a:off x="6732240" y="885986"/>
-            <a:ext cx="1849215" cy="1849215"/>
-          </a:xfrm>
-          <a:prstGeom prst="rect">
-            <a:avLst/>
-          </a:prstGeom>
-          <a:noFill/>
-        </p:spPr>
-      </p:pic>
       <p:sp>
         <p:nvSpPr>
           <p:cNvPr id="23" name="슬라이드 번호 개체 틀 1"/>
@@ -21902,6 +22233,30 @@
           </a:p>
         </p:txBody>
       </p:sp>
+      <p:pic>
+        <p:nvPicPr>
+          <p:cNvPr id="46" name=""/>
+          <p:cNvPicPr>
+            <a:picLocks noChangeAspect="1"/>
+          </p:cNvPicPr>
+          <p:nvPr/>
+        </p:nvPicPr>
+        <p:blipFill rotWithShape="1">
+          <a:blip r:embed="rId6"/>
+          <a:stretch>
+            <a:fillRect/>
+          </a:stretch>
+        </p:blipFill>
+        <p:spPr>
+          <a:xfrm>
+            <a:off x="7020272" y="620688"/>
+            <a:ext cx="1800200" cy="1800200"/>
+          </a:xfrm>
+          <a:prstGeom prst="rect">
+            <a:avLst/>
+          </a:prstGeom>
+        </p:spPr>
+      </p:pic>
     </p:spTree>
   </p:cSld>
   <p:clrMapOvr>
@@ -21919,7 +22274,7 @@
 </file>
 
 <file path=ppt/slides/slide7.xml><?xml version="1.0" encoding="utf-8"?>
-<p:sld xmlns:a="http://schemas.openxmlformats.org/drawingml/2006/main" xmlns:r="http://schemas.openxmlformats.org/officeDocument/2006/relationships" xmlns:p="http://schemas.openxmlformats.org/presentationml/2006/main">
+<p:sld xmlns:r="http://schemas.openxmlformats.org/officeDocument/2006/relationships" xmlns:c="http://schemas.openxmlformats.org/drawingml/2006/chart" xmlns:a="http://schemas.openxmlformats.org/drawingml/2006/main" xmlns:dgm="http://schemas.openxmlformats.org/drawingml/2006/diagram" xmlns:dsp="http://schemas.microsoft.com/office/drawing/2008/diagram" xmlns:p="http://schemas.openxmlformats.org/presentationml/2006/main">
   <p:cSld>
     <p:spTree>
       <p:nvGrpSpPr>
@@ -21937,13 +22292,7 @@
       </p:grpSpPr>
       <p:pic>
         <p:nvPicPr>
-          <p:cNvPr id="18" name="Picture 2" descr="\\Server\share\공유\한국산업안전보건공단\PPT-원고\소스\서비스블루.png">
-            <a:extLst>
-              <a:ext uri="{FF2B5EF4-FFF2-40B4-BE49-F238E27FC236}">
-                <a16:creationId xmlns:a16="http://schemas.microsoft.com/office/drawing/2014/main" id="{BC0BB0F6-9F31-4F2B-ADB8-FE3B0B6352DB}"/>
-              </a:ext>
-            </a:extLst>
-          </p:cNvPr>
+          <p:cNvPr id="18" name="Picture 2" descr="\\Server\share\공유\한국산업안전보건공단\PPT-원고\소스\서비스블루.png"/>
           <p:cNvPicPr>
             <a:picLocks noChangeAspect="1" noChangeArrowheads="1"/>
           </p:cNvPicPr>
@@ -22061,37 +22410,42 @@
               <a:defRPr/>
             </a:pPr>
             <a:r>
-              <a:rPr kumimoji="0" lang="ko-KR" altLang="en-US" sz="3200" kern="0" dirty="0">
-                <a:solidFill>
-                  <a:srgbClr val="0000FF"/>
+              <a:rPr kumimoji="0" lang="ko-KR" altLang="en-US" sz="3200" kern="0">
+                <a:solidFill>
+                  <a:srgbClr val="0000ff"/>
                 </a:solidFill>
               </a:rPr>
               <a:t>변수의 타입 및 유형</a:t>
             </a:r>
             <a:r>
-              <a:rPr lang="ko-KR" altLang="en-US" sz="3200" kern="0" dirty="0">
-                <a:solidFill>
-                  <a:srgbClr val="0000FF"/>
+              <a:rPr lang="ko-KR" altLang="en-US" sz="3200" kern="0">
+                <a:solidFill>
+                  <a:srgbClr val="0000ff"/>
                 </a:solidFill>
               </a:rPr>
               <a:t> </a:t>
             </a:r>
             <a:r>
-              <a:rPr lang="ko-KR" altLang="en-US" sz="3200" kern="0" dirty="0">
-                <a:solidFill>
-                  <a:srgbClr val="00B050"/>
+              <a:rPr lang="ko-KR" altLang="en-US" sz="3200" kern="0">
+                <a:solidFill>
+                  <a:srgbClr val="00b050"/>
                 </a:solidFill>
               </a:rPr>
               <a:t>                            </a:t>
             </a:r>
             <a:r>
-              <a:rPr lang="ko-KR" altLang="en-US" sz="2000" kern="0" dirty="0">
-                <a:solidFill>
-                  <a:srgbClr val="00B050"/>
+              <a:rPr lang="ko-KR" altLang="en-US" sz="2000" kern="0">
+                <a:solidFill>
+                  <a:srgbClr val="00b050"/>
                 </a:solidFill>
               </a:rPr>
               <a:t>본시 학습</a:t>
             </a:r>
+            <a:endParaRPr lang="ko-KR" altLang="en-US" sz="2000" kern="0">
+              <a:solidFill>
+                <a:srgbClr val="00b050"/>
+              </a:solidFill>
+            </a:endParaRPr>
           </a:p>
         </p:txBody>
       </p:sp>
@@ -22102,7 +22456,7 @@
           <p:nvPr/>
         </p:nvGrpSpPr>
         <p:grpSpPr>
-          <a:xfrm>
+          <a:xfrm rot="0">
             <a:off x="500034" y="1285859"/>
             <a:ext cx="5675313" cy="4779660"/>
             <a:chOff x="981075" y="1449387"/>
@@ -22116,7 +22470,7 @@
             <p:nvPr/>
           </p:nvGrpSpPr>
           <p:grpSpPr>
-            <a:xfrm>
+            <a:xfrm rot="0">
               <a:off x="981075" y="1449387"/>
               <a:ext cx="5080078" cy="2407924"/>
               <a:chOff x="981075" y="1449387"/>
@@ -22186,7 +22540,7 @@
               <p:nvPr/>
             </p:nvGrpSpPr>
             <p:grpSpPr>
-              <a:xfrm>
+              <a:xfrm rot="0">
                 <a:off x="981075" y="1449387"/>
                 <a:ext cx="2579688" cy="693435"/>
                 <a:chOff x="623888" y="1659480"/>
@@ -22218,7 +22572,7 @@
                 </a:ln>
                 <a:effectLst>
                   <a:outerShdw dist="35921" dir="2700000" algn="ctr" rotWithShape="0">
-                    <a:srgbClr val="C0C0C0"/>
+                    <a:srgbClr val="c0c0c0"/>
                   </a:outerShdw>
                 </a:effectLst>
               </p:spPr>
@@ -22254,7 +22608,7 @@
                   <a:avLst/>
                 </a:prstGeom>
                 <a:solidFill>
-                  <a:srgbClr val="FF7C80"/>
+                  <a:srgbClr val="ff7c80"/>
                 </a:solidFill>
                 <a:ln w="9525" algn="ctr">
                   <a:noFill/>
@@ -22342,6 +22696,11 @@
                     </a:rPr>
                     <a:t>)</a:t>
                   </a:r>
+                  <a:endParaRPr lang="en-US" altLang="ko-KR" sz="2000" b="1">
+                    <a:solidFill>
+                      <a:schemeClr val="bg1"/>
+                    </a:solidFill>
+                  </a:endParaRPr>
                 </a:p>
               </p:txBody>
             </p:sp>
@@ -22395,6 +22754,11 @@
                 </a:rPr>
                 <a:t> char</a:t>
               </a:r>
+              <a:endParaRPr lang="en-US" altLang="ko-KR" sz="1600" b="1">
+                <a:solidFill>
+                  <a:schemeClr val="tx1"/>
+                </a:solidFill>
+              </a:endParaRPr>
             </a:p>
             <a:p>
               <a:pPr marL="0" indent="0">
@@ -22445,6 +22809,11 @@
                 </a:rPr>
                 <a:t>1byte</a:t>
               </a:r>
+              <a:endParaRPr lang="en-US" altLang="ko-KR" sz="1600" b="1">
+                <a:solidFill>
+                  <a:schemeClr val="tx1"/>
+                </a:solidFill>
+              </a:endParaRPr>
             </a:p>
             <a:p>
               <a:pPr marL="0" indent="0">
@@ -22471,6 +22840,11 @@
                 </a:rPr>
                 <a:t>지정 범위</a:t>
               </a:r>
+              <a:endParaRPr lang="ko-KR" altLang="en-US" sz="1600" b="1">
+                <a:solidFill>
+                  <a:schemeClr val="tx1"/>
+                </a:solidFill>
+              </a:endParaRPr>
             </a:p>
             <a:p>
               <a:pPr marL="0" indent="0">
@@ -22497,6 +22871,11 @@
                 </a:rPr>
                 <a:t>signed char: -0x7F ~ +0x7F</a:t>
               </a:r>
+              <a:endParaRPr lang="en-US" altLang="ko-KR" sz="1600" b="1">
+                <a:solidFill>
+                  <a:schemeClr val="tx1"/>
+                </a:solidFill>
+              </a:endParaRPr>
             </a:p>
             <a:p>
               <a:pPr marL="0" indent="0">
@@ -22515,6 +22894,11 @@
                 </a:rPr>
                 <a:t>       unsigned char: 0 ~ FF</a:t>
               </a:r>
+              <a:endParaRPr lang="en-US" altLang="ko-KR" sz="1600" b="1">
+                <a:solidFill>
+                  <a:schemeClr val="tx1"/>
+                </a:solidFill>
+              </a:endParaRPr>
             </a:p>
             <a:p>
               <a:pPr marL="0" indent="0">
@@ -22538,7 +22922,7 @@
                 </a:lnSpc>
                 <a:buFontTx/>
                 <a:buBlip>
-                  <a:blip r:embed="rId3"/>
+                  <a:blip r:embed="rId4"/>
                 </a:buBlip>
                 <a:defRPr/>
               </a:pPr>
@@ -22558,6 +22942,11 @@
                 </a:rPr>
                 <a:t>int (integer)</a:t>
               </a:r>
+              <a:endParaRPr lang="en-US" altLang="ko-KR" sz="1600" b="1">
+                <a:solidFill>
+                  <a:schemeClr val="tx1"/>
+                </a:solidFill>
+              </a:endParaRPr>
             </a:p>
             <a:p>
               <a:pPr marL="0" indent="0">
@@ -22616,6 +23005,11 @@
                 </a:rPr>
                 <a:t>4byte </a:t>
               </a:r>
+              <a:endParaRPr lang="en-US" altLang="ko-KR" sz="1600" b="1">
+                <a:solidFill>
+                  <a:schemeClr val="tx1"/>
+                </a:solidFill>
+              </a:endParaRPr>
             </a:p>
             <a:p>
               <a:pPr marL="0" indent="0">
@@ -22642,6 +23036,11 @@
                 </a:rPr>
                 <a:t> 지정 범위</a:t>
               </a:r>
+              <a:endParaRPr lang="ko-KR" altLang="en-US" sz="1600" b="1">
+                <a:solidFill>
+                  <a:schemeClr val="tx1"/>
+                </a:solidFill>
+              </a:endParaRPr>
             </a:p>
             <a:p>
               <a:pPr marL="0" indent="0">
@@ -22668,6 +23067,11 @@
                 </a:rPr>
                 <a:t>signed int : -0x7FFFFFFF ~ +0x7FFFFFFF</a:t>
               </a:r>
+              <a:endParaRPr lang="en-US" altLang="ko-KR" sz="1600" b="1">
+                <a:solidFill>
+                  <a:schemeClr val="tx1"/>
+                </a:solidFill>
+              </a:endParaRPr>
             </a:p>
             <a:p>
               <a:pPr marL="0" indent="0">
@@ -22721,7 +23125,7 @@
             <a:fld id="{7F65F548-4073-416B-8831-474EB8B0CAAB}" type="slidenum">
               <a:rPr kumimoji="0" lang="en-US" altLang="en-US" sz="2400" b="1">
                 <a:solidFill>
-                  <a:srgbClr val="0237CE"/>
+                  <a:srgbClr val="0237ce"/>
                 </a:solidFill>
               </a:rPr>
               <a:pPr algn="ctr" latinLnBrk="0">
@@ -22731,7 +23135,7 @@
             </a:fld>
             <a:endParaRPr kumimoji="0" lang="en-US" altLang="en-US" sz="2400" b="1">
               <a:solidFill>
-                <a:srgbClr val="0237CE"/>
+                <a:srgbClr val="0237ce"/>
               </a:solidFill>
             </a:endParaRPr>
           </a:p>
@@ -22746,7 +23150,7 @@
           <p:nvPr/>
         </p:nvPicPr>
         <p:blipFill rotWithShape="1">
-          <a:blip r:embed="rId4"/>
+          <a:blip r:embed="rId5"/>
           <a:srcRect/>
           <a:stretch>
             <a:fillRect/>
@@ -22769,49 +23173,26 @@
       </p:pic>
       <p:pic>
         <p:nvPicPr>
-          <p:cNvPr id="1026" name="Picture 2" descr="c언어 변수.png에 대한 이미지 검색결과">
-            <a:extLst>
-              <a:ext uri="{FF2B5EF4-FFF2-40B4-BE49-F238E27FC236}">
-                <a16:creationId xmlns:a16="http://schemas.microsoft.com/office/drawing/2014/main" id="{3CB037E6-EBF4-42FA-A9AF-685F79D91703}"/>
-              </a:ext>
-            </a:extLst>
-          </p:cNvPr>
+          <p:cNvPr id="1028" name=""/>
           <p:cNvPicPr>
-            <a:picLocks noChangeAspect="1" noChangeArrowheads="1"/>
+            <a:picLocks noChangeAspect="1"/>
           </p:cNvPicPr>
           <p:nvPr/>
         </p:nvPicPr>
-        <p:blipFill>
-          <a:blip r:embed="rId5">
-            <a:extLst>
-              <a:ext uri="{28A0092B-C50C-407E-A947-70E740481C1C}">
-                <a14:useLocalDpi xmlns:a14="http://schemas.microsoft.com/office/drawing/2010/main" val="0"/>
-              </a:ext>
-            </a:extLst>
-          </a:blip>
-          <a:srcRect/>
+        <p:blipFill rotWithShape="1">
+          <a:blip r:embed="rId6"/>
           <a:stretch>
             <a:fillRect/>
           </a:stretch>
         </p:blipFill>
-        <p:spPr bwMode="auto">
+        <p:spPr>
           <a:xfrm>
-            <a:off x="6660232" y="885986"/>
-            <a:ext cx="1849215" cy="1849215"/>
+            <a:off x="7020272" y="692696"/>
+            <a:ext cx="1800200" cy="1800200"/>
           </a:xfrm>
           <a:prstGeom prst="rect">
             <a:avLst/>
           </a:prstGeom>
-          <a:noFill/>
-          <a:extLst>
-            <a:ext uri="{909E8E84-426E-40DD-AFC4-6F175D3DCCD1}">
-              <a14:hiddenFill xmlns:a14="http://schemas.microsoft.com/office/drawing/2010/main">
-                <a:solidFill>
-                  <a:srgbClr val="FFFFFF"/>
-                </a:solidFill>
-              </a14:hiddenFill>
-            </a:ext>
-          </a:extLst>
         </p:spPr>
       </p:pic>
     </p:spTree>
@@ -22819,11 +23200,11 @@
   <p:clrMapOvr>
     <a:masterClrMapping/>
   </p:clrMapOvr>
-  <mc:AlternateContent xmlns:mc="http://schemas.openxmlformats.org/markup-compatibility/2006" xmlns:p14="http://schemas.microsoft.com/office/powerpoint/2010/main">
-    <mc:Choice Requires="p14">
-      <p:transition/>
+  <mc:AlternateContent xmlns:mc="http://schemas.openxmlformats.org/markup-compatibility/2006">
+    <mc:Choice xmlns:p14="http://schemas.microsoft.com/office/powerpoint/2010/main" Requires="p14">
+      <p:transition xmlns:mc="http://schemas.openxmlformats.org/markup-compatibility/2006" xmlns:p14="http://schemas.microsoft.com/office/powerpoint/2010/main" mc:Ignorable="p14" p14:dur="500"/>
     </mc:Choice>
-    <mc:Fallback xmlns:dsp="http://schemas.microsoft.com/office/drawing/2008/diagram" xmlns:dgm="http://schemas.openxmlformats.org/drawingml/2006/diagram" xmlns:c="http://schemas.openxmlformats.org/drawingml/2006/chart" xmlns="">
+    <mc:Fallback>
       <p:transition/>
     </mc:Fallback>
   </mc:AlternateContent>
@@ -22917,7 +23298,7 @@
 </file>
 
 <file path=ppt/slides/slide8.xml><?xml version="1.0" encoding="utf-8"?>
-<p:sld xmlns:a="http://schemas.openxmlformats.org/drawingml/2006/main" xmlns:r="http://schemas.openxmlformats.org/officeDocument/2006/relationships" xmlns:p="http://schemas.openxmlformats.org/presentationml/2006/main">
+<p:sld xmlns:r="http://schemas.openxmlformats.org/officeDocument/2006/relationships" xmlns:c="http://schemas.openxmlformats.org/drawingml/2006/chart" xmlns:a="http://schemas.openxmlformats.org/drawingml/2006/main" xmlns:dgm="http://schemas.openxmlformats.org/drawingml/2006/diagram" xmlns:dsp="http://schemas.microsoft.com/office/drawing/2008/diagram" xmlns:p="http://schemas.openxmlformats.org/presentationml/2006/main">
   <p:cSld>
     <p:spTree>
       <p:nvGrpSpPr>
@@ -22935,13 +23316,7 @@
       </p:grpSpPr>
       <p:pic>
         <p:nvPicPr>
-          <p:cNvPr id="18" name="Picture 2" descr="\\Server\share\공유\한국산업안전보건공단\PPT-원고\소스\서비스블루.png">
-            <a:extLst>
-              <a:ext uri="{FF2B5EF4-FFF2-40B4-BE49-F238E27FC236}">
-                <a16:creationId xmlns:a16="http://schemas.microsoft.com/office/drawing/2014/main" id="{AB6CD1A6-417A-461B-88F6-1A0AC581944D}"/>
-              </a:ext>
-            </a:extLst>
-          </p:cNvPr>
+          <p:cNvPr id="18" name="Picture 2" descr="\\Server\share\공유\한국산업안전보건공단\PPT-원고\소스\서비스블루.png"/>
           <p:cNvPicPr>
             <a:picLocks noChangeAspect="1" noChangeArrowheads="1"/>
           </p:cNvPicPr>
@@ -23059,37 +23434,42 @@
               <a:defRPr/>
             </a:pPr>
             <a:r>
-              <a:rPr kumimoji="0" lang="ko-KR" altLang="en-US" sz="3200" kern="0" dirty="0">
-                <a:solidFill>
-                  <a:srgbClr val="0000FF"/>
+              <a:rPr kumimoji="0" lang="ko-KR" altLang="en-US" sz="3200" kern="0">
+                <a:solidFill>
+                  <a:srgbClr val="0000ff"/>
                 </a:solidFill>
               </a:rPr>
               <a:t>변수의 타입 및 유형</a:t>
             </a:r>
             <a:r>
-              <a:rPr lang="ko-KR" altLang="en-US" sz="3200" kern="0" dirty="0">
-                <a:solidFill>
-                  <a:srgbClr val="0000FF"/>
+              <a:rPr lang="ko-KR" altLang="en-US" sz="3200" kern="0">
+                <a:solidFill>
+                  <a:srgbClr val="0000ff"/>
                 </a:solidFill>
               </a:rPr>
               <a:t> </a:t>
             </a:r>
             <a:r>
-              <a:rPr lang="ko-KR" altLang="en-US" sz="3200" kern="0" dirty="0">
-                <a:solidFill>
-                  <a:srgbClr val="00B050"/>
+              <a:rPr lang="ko-KR" altLang="en-US" sz="3200" kern="0">
+                <a:solidFill>
+                  <a:srgbClr val="00b050"/>
                 </a:solidFill>
               </a:rPr>
               <a:t>                            </a:t>
             </a:r>
             <a:r>
-              <a:rPr lang="ko-KR" altLang="en-US" sz="2000" kern="0" dirty="0">
-                <a:solidFill>
-                  <a:srgbClr val="00B050"/>
+              <a:rPr lang="ko-KR" altLang="en-US" sz="2000" kern="0">
+                <a:solidFill>
+                  <a:srgbClr val="00b050"/>
                 </a:solidFill>
               </a:rPr>
               <a:t>본시 학습</a:t>
             </a:r>
+            <a:endParaRPr lang="ko-KR" altLang="en-US" sz="2000" kern="0">
+              <a:solidFill>
+                <a:srgbClr val="00b050"/>
+              </a:solidFill>
+            </a:endParaRPr>
           </a:p>
         </p:txBody>
       </p:sp>
@@ -23100,7 +23480,7 @@
           <p:nvPr/>
         </p:nvGrpSpPr>
         <p:grpSpPr>
-          <a:xfrm>
+          <a:xfrm rot="0">
             <a:off x="480863" y="980728"/>
             <a:ext cx="5675313" cy="5760734"/>
             <a:chOff x="981075" y="1449388"/>
@@ -23114,7 +23494,7 @@
             <p:nvPr/>
           </p:nvGrpSpPr>
           <p:grpSpPr>
-            <a:xfrm>
+            <a:xfrm rot="0">
               <a:off x="981075" y="1449388"/>
               <a:ext cx="5296102" cy="3295268"/>
               <a:chOff x="981075" y="1449388"/>
@@ -23184,7 +23564,7 @@
               <p:nvPr/>
             </p:nvGrpSpPr>
             <p:grpSpPr>
-              <a:xfrm>
+              <a:xfrm rot="0">
                 <a:off x="981075" y="1449388"/>
                 <a:ext cx="2579688" cy="693435"/>
                 <a:chOff x="623888" y="1659480"/>
@@ -23216,7 +23596,7 @@
                 </a:ln>
                 <a:effectLst>
                   <a:outerShdw dist="35921" dir="2700000" algn="ctr" rotWithShape="0">
-                    <a:srgbClr val="C0C0C0"/>
+                    <a:srgbClr val="c0c0c0"/>
                   </a:outerShdw>
                 </a:effectLst>
               </p:spPr>
@@ -23252,7 +23632,7 @@
                   <a:avLst/>
                 </a:prstGeom>
                 <a:solidFill>
-                  <a:srgbClr val="FF7C80"/>
+                  <a:srgbClr val="ff7c80"/>
                 </a:solidFill>
                 <a:ln w="9525" algn="ctr">
                   <a:noFill/>
@@ -23340,6 +23720,11 @@
                     </a:rPr>
                     <a:t>)</a:t>
                   </a:r>
+                  <a:endParaRPr lang="en-US" altLang="ko-KR" sz="2000" b="1">
+                    <a:solidFill>
+                      <a:schemeClr val="bg1"/>
+                    </a:solidFill>
+                  </a:endParaRPr>
                 </a:p>
               </p:txBody>
             </p:sp>
@@ -23408,7 +23793,7 @@
                 </a:rPr>
                 <a:t> float, double</a:t>
               </a:r>
-              <a:endParaRPr lang="ko-KR" altLang="en-US" sz="1600" b="1">
+              <a:endParaRPr lang="en-US" altLang="ko-KR" sz="1600" b="1">
                 <a:solidFill>
                   <a:schemeClr val="tx1"/>
                 </a:solidFill>
@@ -23463,6 +23848,11 @@
                 </a:rPr>
                 <a:t>4byte</a:t>
               </a:r>
+              <a:endParaRPr lang="en-US" altLang="ko-KR" sz="1600" b="1">
+                <a:solidFill>
+                  <a:schemeClr val="tx1"/>
+                </a:solidFill>
+              </a:endParaRPr>
             </a:p>
             <a:p>
               <a:pPr marL="0" indent="0">
@@ -23513,6 +23903,11 @@
                 </a:rPr>
                 <a:t>.</a:t>
               </a:r>
+              <a:endParaRPr lang="en-US" altLang="ko-KR" sz="1600" b="1">
+                <a:solidFill>
+                  <a:schemeClr val="tx1"/>
+                </a:solidFill>
+              </a:endParaRPr>
             </a:p>
             <a:p>
               <a:pPr marL="0" indent="0">
@@ -23531,6 +23926,11 @@
                 </a:rPr>
                 <a:t>      실수는 정수와는 다른 방식을 사용하여 저장하고 표현</a:t>
               </a:r>
+              <a:endParaRPr lang="ko-KR" altLang="en-US" sz="1600" b="1">
+                <a:solidFill>
+                  <a:schemeClr val="tx1"/>
+                </a:solidFill>
+              </a:endParaRPr>
             </a:p>
             <a:p>
               <a:pPr marL="0" indent="0">
@@ -23565,6 +23965,11 @@
                 </a:rPr>
                 <a:t>특정 한계 까지의 자릿 수와 몇자리 수인지 등의 정보를 </a:t>
               </a:r>
+              <a:endParaRPr lang="ko-KR" altLang="en-US" sz="1600" b="1">
+                <a:solidFill>
+                  <a:schemeClr val="tx1"/>
+                </a:solidFill>
+              </a:endParaRPr>
             </a:p>
             <a:p>
               <a:pPr marL="0" indent="0">
@@ -23591,6 +23996,11 @@
                 </a:rPr>
                 <a:t>)</a:t>
               </a:r>
+              <a:endParaRPr lang="en-US" altLang="ko-KR" sz="1600" b="1">
+                <a:solidFill>
+                  <a:schemeClr val="tx1"/>
+                </a:solidFill>
+              </a:endParaRPr>
             </a:p>
             <a:p>
               <a:pPr marL="0" indent="0">
@@ -23614,7 +24024,7 @@
                 </a:lnSpc>
                 <a:buFontTx/>
                 <a:buBlip>
-                  <a:blip r:embed="rId3"/>
+                  <a:blip r:embed="rId4"/>
                 </a:buBlip>
                 <a:defRPr/>
               </a:pPr>
@@ -23634,7 +24044,7 @@
                 </a:rPr>
                 <a:t>void</a:t>
               </a:r>
-              <a:endParaRPr lang="ko-KR" altLang="en-US" sz="1600" b="1">
+              <a:endParaRPr lang="en-US" altLang="ko-KR" sz="1600" b="1">
                 <a:solidFill>
                   <a:schemeClr val="tx1"/>
                 </a:solidFill>
@@ -23665,6 +24075,11 @@
                 </a:rPr>
                 <a:t>비어 있다는 뜻으로 어떤 타입도 캐스팅하여 수용 및</a:t>
               </a:r>
+              <a:endParaRPr lang="ko-KR" altLang="en-US" sz="1600" b="1">
+                <a:solidFill>
+                  <a:schemeClr val="tx1"/>
+                </a:solidFill>
+              </a:endParaRPr>
             </a:p>
             <a:p>
               <a:pPr marL="0" indent="0">
@@ -23691,7 +24106,7 @@
                 </a:rPr>
                 <a:t>.</a:t>
               </a:r>
-              <a:endParaRPr lang="ko-KR" altLang="en-US" sz="1600" b="1">
+              <a:endParaRPr lang="en-US" altLang="ko-KR" sz="1600" b="1">
                 <a:solidFill>
                   <a:schemeClr val="tx1"/>
                 </a:solidFill>
@@ -23746,6 +24161,11 @@
                 </a:rPr>
                 <a:t>	</a:t>
               </a:r>
+              <a:endParaRPr lang="ko-KR" altLang="en-US" sz="1600" b="1">
+                <a:solidFill>
+                  <a:schemeClr val="tx1"/>
+                </a:solidFill>
+              </a:endParaRPr>
             </a:p>
             <a:p>
               <a:pPr marL="0" indent="0">
@@ -23788,6 +24208,11 @@
                 </a:rPr>
                 <a:t>)</a:t>
               </a:r>
+              <a:endParaRPr lang="en-US" altLang="ko-KR" sz="1600" b="1">
+                <a:solidFill>
+                  <a:schemeClr val="tx1"/>
+                </a:solidFill>
+              </a:endParaRPr>
             </a:p>
             <a:p>
               <a:pPr>
@@ -23831,7 +24256,7 @@
             <a:fld id="{7F65F548-4073-416B-8831-474EB8B0CAAB}" type="slidenum">
               <a:rPr kumimoji="0" lang="en-US" altLang="en-US" sz="2400" b="1">
                 <a:solidFill>
-                  <a:srgbClr val="0237CE"/>
+                  <a:srgbClr val="0237ce"/>
                 </a:solidFill>
               </a:rPr>
               <a:pPr algn="ctr" latinLnBrk="0">
@@ -23841,7 +24266,7 @@
             </a:fld>
             <a:endParaRPr kumimoji="0" lang="en-US" altLang="en-US" sz="2400" b="1">
               <a:solidFill>
-                <a:srgbClr val="0237CE"/>
+                <a:srgbClr val="0237ce"/>
               </a:solidFill>
             </a:endParaRPr>
           </a:p>
@@ -23856,7 +24281,7 @@
           <p:nvPr/>
         </p:nvPicPr>
         <p:blipFill rotWithShape="1">
-          <a:blip r:embed="rId4"/>
+          <a:blip r:embed="rId5"/>
           <a:srcRect/>
           <a:stretch>
             <a:fillRect/>
@@ -23879,49 +24304,26 @@
       </p:pic>
       <p:pic>
         <p:nvPicPr>
-          <p:cNvPr id="19" name="Picture 2" descr="c언어 변수.png에 대한 이미지 검색결과">
-            <a:extLst>
-              <a:ext uri="{FF2B5EF4-FFF2-40B4-BE49-F238E27FC236}">
-                <a16:creationId xmlns:a16="http://schemas.microsoft.com/office/drawing/2014/main" id="{C9B65BA0-A37F-4991-9AA9-B29CBCBEA154}"/>
-              </a:ext>
-            </a:extLst>
-          </p:cNvPr>
+          <p:cNvPr id="31" name=""/>
           <p:cNvPicPr>
-            <a:picLocks noChangeAspect="1" noChangeArrowheads="1"/>
+            <a:picLocks noChangeAspect="1"/>
           </p:cNvPicPr>
           <p:nvPr/>
         </p:nvPicPr>
-        <p:blipFill>
-          <a:blip r:embed="rId5">
-            <a:extLst>
-              <a:ext uri="{28A0092B-C50C-407E-A947-70E740481C1C}">
-                <a14:useLocalDpi xmlns:a14="http://schemas.microsoft.com/office/drawing/2010/main" val="0"/>
-              </a:ext>
-            </a:extLst>
-          </a:blip>
-          <a:srcRect/>
+        <p:blipFill rotWithShape="1">
+          <a:blip r:embed="rId6"/>
           <a:stretch>
             <a:fillRect/>
           </a:stretch>
         </p:blipFill>
-        <p:spPr bwMode="auto">
+        <p:spPr>
           <a:xfrm>
-            <a:off x="6732240" y="885986"/>
-            <a:ext cx="1849215" cy="1849215"/>
+            <a:off x="7020272" y="692696"/>
+            <a:ext cx="1800200" cy="1800200"/>
           </a:xfrm>
           <a:prstGeom prst="rect">
             <a:avLst/>
           </a:prstGeom>
-          <a:noFill/>
-          <a:extLst>
-            <a:ext uri="{909E8E84-426E-40DD-AFC4-6F175D3DCCD1}">
-              <a14:hiddenFill xmlns:a14="http://schemas.microsoft.com/office/drawing/2010/main">
-                <a:solidFill>
-                  <a:srgbClr val="FFFFFF"/>
-                </a:solidFill>
-              </a14:hiddenFill>
-            </a:ext>
-          </a:extLst>
         </p:spPr>
       </p:pic>
     </p:spTree>
@@ -23929,11 +24331,11 @@
   <p:clrMapOvr>
     <a:masterClrMapping/>
   </p:clrMapOvr>
-  <mc:AlternateContent xmlns:mc="http://schemas.openxmlformats.org/markup-compatibility/2006" xmlns:p14="http://schemas.microsoft.com/office/powerpoint/2010/main">
-    <mc:Choice Requires="p14">
-      <p:transition/>
+  <mc:AlternateContent xmlns:mc="http://schemas.openxmlformats.org/markup-compatibility/2006">
+    <mc:Choice xmlns:p14="http://schemas.microsoft.com/office/powerpoint/2010/main" Requires="p14">
+      <p:transition xmlns:mc="http://schemas.openxmlformats.org/markup-compatibility/2006" xmlns:p14="http://schemas.microsoft.com/office/powerpoint/2010/main" mc:Ignorable="p14" p14:dur="500"/>
     </mc:Choice>
-    <mc:Fallback xmlns:dsp="http://schemas.microsoft.com/office/drawing/2008/diagram" xmlns:dgm="http://schemas.openxmlformats.org/drawingml/2006/diagram" xmlns:c="http://schemas.openxmlformats.org/drawingml/2006/chart" xmlns="">
+    <mc:Fallback>
       <p:transition/>
     </mc:Fallback>
   </mc:AlternateContent>
@@ -24769,28 +25171,26 @@
       </p:sp>
       <p:pic>
         <p:nvPicPr>
-          <p:cNvPr id="19" name="Picture 2" descr="c언어 변수.png에 대한 이미지 검색결과"/>
+          <p:cNvPr id="32" name=""/>
           <p:cNvPicPr>
-            <a:picLocks noChangeAspect="1" noChangeArrowheads="1"/>
+            <a:picLocks noChangeAspect="1"/>
           </p:cNvPicPr>
           <p:nvPr/>
         </p:nvPicPr>
         <p:blipFill rotWithShape="1">
           <a:blip r:embed="rId5"/>
-          <a:srcRect/>
           <a:stretch>
             <a:fillRect/>
           </a:stretch>
         </p:blipFill>
         <p:spPr>
           <a:xfrm>
-            <a:off x="6732240" y="885986"/>
-            <a:ext cx="1849215" cy="1849215"/>
+            <a:off x="7020272" y="692696"/>
+            <a:ext cx="1800200" cy="1800200"/>
           </a:xfrm>
           <a:prstGeom prst="rect">
             <a:avLst/>
           </a:prstGeom>
-          <a:noFill/>
         </p:spPr>
       </p:pic>
     </p:spTree>

--- a/HRD/nPPT/응용SW어플리케이션.pptx
+++ b/HRD/nPPT/응용SW어플리케이션.pptx
@@ -2,7 +2,7 @@
 <file path=ppt/presentation.xml><?xml version="1.0" encoding="utf-8"?>
 <p:presentation xmlns:r="http://schemas.openxmlformats.org/officeDocument/2006/relationships" xmlns:c="http://schemas.openxmlformats.org/drawingml/2006/chart" xmlns:a="http://schemas.openxmlformats.org/drawingml/2006/main" xmlns:dgm="http://schemas.openxmlformats.org/drawingml/2006/diagram" xmlns:dsp="http://schemas.microsoft.com/office/drawing/2008/diagram" xmlns:p="http://schemas.openxmlformats.org/presentationml/2006/main">
   <p:sldMasterIdLst>
-    <p:sldMasterId id="2147483707" r:id="rId1"/>
+    <p:sldMasterId id="2147483708" r:id="rId1"/>
   </p:sldMasterIdLst>
   <p:notesMasterIdLst>
     <p:notesMasterId r:id="rId2"/>
